--- a/Presentation1.pptx
+++ b/Presentation1.pptx
@@ -37,8 +37,12 @@
       <p:regular r:id="rId20"/>
     </p:embeddedFont>
     <p:embeddedFont>
+      <p:font typeface="Slalom Sans Light Italic" pitchFamily="2" charset="77"/>
+      <p:italic r:id="rId21"/>
+    </p:embeddedFont>
+    <p:embeddedFont>
       <p:font typeface="SlalomSans-Light" pitchFamily="2" charset="77"/>
-      <p:regular r:id="rId21"/>
+      <p:regular r:id="rId22"/>
     </p:embeddedFont>
   </p:embeddedFontLst>
   <p:defaultTextStyle>
@@ -12505,58 +12509,6 @@
           </a:p>
         </p:txBody>
       </p:sp>
-      <p:sp>
-        <p:nvSpPr>
-          <p:cNvPr id="9" name="object 5">
-            <a:extLst>
-              <a:ext uri="{FF2B5EF4-FFF2-40B4-BE49-F238E27FC236}">
-                <a16:creationId xmlns:a16="http://schemas.microsoft.com/office/drawing/2014/main" id="{FFBCDCE2-19EC-6C46-B66C-53DBA739A4E8}"/>
-              </a:ext>
-            </a:extLst>
-          </p:cNvPr>
-          <p:cNvSpPr txBox="1"/>
-          <p:nvPr/>
-        </p:nvSpPr>
-        <p:spPr>
-          <a:xfrm>
-            <a:off x="601740" y="1041888"/>
-            <a:ext cx="3829895" cy="164385"/>
-          </a:xfrm>
-          <a:prstGeom prst="rect">
-            <a:avLst/>
-          </a:prstGeom>
-        </p:spPr>
-        <p:txBody>
-          <a:bodyPr vert="horz" wrap="square" lIns="0" tIns="10395" rIns="0" bIns="0" rtlCol="0">
-            <a:spAutoFit/>
-          </a:bodyPr>
-          <a:lstStyle/>
-          <a:p>
-            <a:pPr marL="7700">
-              <a:spcBef>
-                <a:spcPts val="82"/>
-              </a:spcBef>
-            </a:pPr>
-            <a:r>
-              <a:rPr lang="en-US" sz="1000" b="1" spc="200">
-                <a:solidFill>
-                  <a:schemeClr val="bg1"/>
-                </a:solidFill>
-                <a:latin typeface="Slalom Sans Bold"/>
-                <a:cs typeface="Slalom Sans Bold"/>
-              </a:rPr>
-              <a:t>INSTRUCTIONS</a:t>
-            </a:r>
-            <a:endParaRPr sz="1000" spc="200">
-              <a:solidFill>
-                <a:schemeClr val="bg1"/>
-              </a:solidFill>
-              <a:latin typeface="Slalom Sans"/>
-              <a:cs typeface="Slalom Sans"/>
-            </a:endParaRPr>
-          </a:p>
-        </p:txBody>
-      </p:sp>
       <p:cxnSp>
         <p:nvCxnSpPr>
           <p:cNvPr id="3" name="Straight Connector 2">
@@ -12834,8 +12786,8 @@
         </p:nvSpPr>
         <p:spPr>
           <a:xfrm>
-            <a:off x="601741" y="4195047"/>
-            <a:ext cx="4998727" cy="598122"/>
+            <a:off x="566159" y="2391543"/>
+            <a:ext cx="8113281" cy="1065575"/>
           </a:xfrm>
           <a:prstGeom prst="rect">
             <a:avLst/>
@@ -12853,155 +12805,19 @@
               </a:lnSpc>
             </a:pPr>
             <a:r>
-              <a:rPr sz="1576" spc="9" dirty="0">
+              <a:rPr lang="en-US" sz="2400" b="1" spc="9" dirty="0">
                 <a:solidFill>
                   <a:srgbClr val="09091C"/>
                 </a:solidFill>
-                <a:latin typeface="Slalom Sans Light" pitchFamily="2" charset="77"/>
-                <a:cs typeface="SlalomSans-Light"/>
-              </a:rPr>
-              <a:t>Include </a:t>
-            </a:r>
-            <a:r>
-              <a:rPr sz="1576" spc="12" dirty="0">
-                <a:solidFill>
-                  <a:srgbClr val="09091C"/>
-                </a:solidFill>
-                <a:latin typeface="Slalom Sans Light" pitchFamily="2" charset="77"/>
-                <a:cs typeface="SlalomSans-Light"/>
-              </a:rPr>
-              <a:t>a </a:t>
-            </a:r>
-            <a:r>
-              <a:rPr sz="1576" spc="9" dirty="0">
-                <a:solidFill>
-                  <a:srgbClr val="09091C"/>
-                </a:solidFill>
-                <a:latin typeface="Slalom Sans Light" pitchFamily="2" charset="77"/>
-                <a:cs typeface="SlalomSans-Light"/>
-              </a:rPr>
-              <a:t>short description </a:t>
-            </a:r>
-            <a:r>
-              <a:rPr sz="1576" dirty="0">
-                <a:solidFill>
-                  <a:srgbClr val="09091C"/>
-                </a:solidFill>
-                <a:latin typeface="Slalom Sans Light" pitchFamily="2" charset="77"/>
-                <a:cs typeface="SlalomSans-Light"/>
-              </a:rPr>
-              <a:t>of your </a:t>
-            </a:r>
-            <a:r>
-              <a:rPr sz="1576" spc="3" dirty="0">
-                <a:solidFill>
-                  <a:srgbClr val="09091C"/>
-                </a:solidFill>
-                <a:latin typeface="Slalom Sans Light" pitchFamily="2" charset="77"/>
-                <a:cs typeface="SlalomSans-Light"/>
-              </a:rPr>
-              <a:t>presentation </a:t>
-            </a:r>
-            <a:r>
-              <a:rPr sz="1576" dirty="0">
-                <a:solidFill>
-                  <a:srgbClr val="09091C"/>
-                </a:solidFill>
-                <a:latin typeface="Slalom Sans Light" pitchFamily="2" charset="77"/>
-                <a:cs typeface="SlalomSans-Light"/>
-              </a:rPr>
-              <a:t>here.  </a:t>
-            </a:r>
-            <a:r>
-              <a:rPr sz="1576" spc="6" dirty="0">
-                <a:solidFill>
-                  <a:srgbClr val="09091C"/>
-                </a:solidFill>
-                <a:latin typeface="Slalom Sans Light" pitchFamily="2" charset="77"/>
-                <a:cs typeface="SlalomSans-Light"/>
-              </a:rPr>
-              <a:t>Recommend </a:t>
-            </a:r>
-            <a:r>
-              <a:rPr sz="1576" spc="3" dirty="0">
-                <a:solidFill>
-                  <a:srgbClr val="09091C"/>
-                </a:solidFill>
-                <a:latin typeface="Slalom Sans Light" pitchFamily="2" charset="77"/>
-                <a:cs typeface="SlalomSans-Light"/>
-              </a:rPr>
-              <a:t>approximately </a:t>
-            </a:r>
-            <a:r>
-              <a:rPr sz="1576" spc="12" dirty="0">
-                <a:solidFill>
-                  <a:srgbClr val="09091C"/>
-                </a:solidFill>
-                <a:latin typeface="Slalom Sans Light" pitchFamily="2" charset="77"/>
-                <a:cs typeface="SlalomSans-Light"/>
-              </a:rPr>
-              <a:t>60-100</a:t>
-            </a:r>
-            <a:r>
-              <a:rPr sz="1576" dirty="0">
-                <a:solidFill>
-                  <a:srgbClr val="09091C"/>
-                </a:solidFill>
-                <a:latin typeface="Slalom Sans Light" pitchFamily="2" charset="77"/>
-                <a:cs typeface="SlalomSans-Light"/>
-              </a:rPr>
-              <a:t> </a:t>
-            </a:r>
-            <a:r>
-              <a:rPr sz="1576" spc="3" dirty="0">
-                <a:solidFill>
-                  <a:srgbClr val="09091C"/>
-                </a:solidFill>
-                <a:latin typeface="Slalom Sans Light" pitchFamily="2" charset="77"/>
-                <a:cs typeface="SlalomSans-Light"/>
-              </a:rPr>
-              <a:t>characters.</a:t>
-            </a:r>
-            <a:endParaRPr sz="1576" dirty="0">
-              <a:latin typeface="Slalom Sans Light" pitchFamily="2" charset="77"/>
+                <a:latin typeface="Slalom Sans Light Italic" pitchFamily="2" charset="77"/>
+                <a:cs typeface="SlalomSans-Light"/>
+              </a:rPr>
+              <a:t> </a:t>
+            </a:r>
+            <a:endParaRPr sz="2400" b="1" dirty="0">
+              <a:latin typeface="Slalom Sans Light Italic" pitchFamily="2" charset="77"/>
               <a:cs typeface="SlalomSans-Light"/>
             </a:endParaRPr>
-          </a:p>
-        </p:txBody>
-      </p:sp>
-      <p:sp>
-        <p:nvSpPr>
-          <p:cNvPr id="8" name="object 4"/>
-          <p:cNvSpPr txBox="1"/>
-          <p:nvPr/>
-        </p:nvSpPr>
-        <p:spPr>
-          <a:xfrm>
-            <a:off x="601741" y="1028428"/>
-            <a:ext cx="2560559" cy="207694"/>
-          </a:xfrm>
-          <a:prstGeom prst="rect">
-            <a:avLst/>
-          </a:prstGeom>
-        </p:spPr>
-        <p:txBody>
-          <a:bodyPr vert="horz" wrap="square" lIns="0" tIns="6930" rIns="0" bIns="0" rtlCol="0">
-            <a:noAutofit/>
-          </a:bodyPr>
-          <a:lstStyle/>
-          <a:p>
-            <a:pPr marL="7700">
-              <a:spcBef>
-                <a:spcPts val="55"/>
-              </a:spcBef>
-            </a:pPr>
-            <a:r>
-              <a:rPr lang="en-US" sz="1304" dirty="0">
-                <a:latin typeface="Slalom Sans Light" pitchFamily="2" charset="77"/>
-                <a:cs typeface="SlalomSans-Light"/>
-              </a:rPr>
-              <a:t>07 May 2021</a:t>
-            </a:r>
           </a:p>
         </p:txBody>
       </p:sp>
@@ -13013,8 +12829,8 @@
         </p:nvSpPr>
         <p:spPr>
           <a:xfrm>
-            <a:off x="569566" y="1344502"/>
-            <a:ext cx="8041033" cy="2162331"/>
+            <a:off x="355077" y="762000"/>
+            <a:ext cx="10911234" cy="2162331"/>
           </a:xfrm>
           <a:prstGeom prst="rect">
             <a:avLst/>
@@ -13032,36 +12848,38 @@
               </a:spcBef>
             </a:pPr>
             <a:r>
-              <a:rPr lang="en-US" sz="7000" b="1" spc="-185" dirty="0">
+              <a:rPr lang="en-US" sz="5400" b="1" spc="-185" dirty="0">
                 <a:solidFill>
                   <a:srgbClr val="09091C"/>
                 </a:solidFill>
                 <a:latin typeface="Slalom Sans Bold"/>
                 <a:cs typeface="Slalom Sans Bold"/>
               </a:rPr>
-              <a:t>Slalom </a:t>
-            </a:r>
-            <a:r>
-              <a:rPr lang="en-US" sz="7000" b="1" spc="-215" dirty="0">
-                <a:solidFill>
-                  <a:srgbClr val="09091C"/>
+              <a:t>Benefits of CI/CD to </a:t>
+            </a:r>
+            <a:r>
+              <a:rPr lang="en-US" sz="5400" b="1" spc="-185" dirty="0" err="1">
+                <a:solidFill>
+                  <a:schemeClr val="accent1">
+                    <a:lumMod val="75000"/>
+                  </a:schemeClr>
                 </a:solidFill>
                 <a:latin typeface="Slalom Sans Bold"/>
                 <a:cs typeface="Slalom Sans Bold"/>
               </a:rPr>
-              <a:t>PowerPoint </a:t>
-            </a:r>
-            <a:r>
-              <a:rPr lang="en-US" sz="7000" b="1" spc="-191" dirty="0">
+              <a:t>UdaPeople</a:t>
+            </a:r>
+            <a:r>
+              <a:rPr lang="en-US" sz="5400" b="1" spc="-185" dirty="0">
                 <a:solidFill>
                   <a:srgbClr val="09091C"/>
                 </a:solidFill>
                 <a:latin typeface="Slalom Sans Bold"/>
                 <a:cs typeface="Slalom Sans Bold"/>
               </a:rPr>
-              <a:t>Template 2021</a:t>
-            </a:r>
-            <a:endParaRPr lang="en-US" sz="7000" b="1" dirty="0">
+              <a:t> </a:t>
+            </a:r>
+            <a:endParaRPr lang="en-US" sz="5400" b="1" dirty="0">
               <a:latin typeface="Slalom Sans Bold"/>
               <a:cs typeface="Slalom Sans Bold"/>
             </a:endParaRPr>
@@ -13098,6 +12916,40 @@
               <a:rPr lang="en-US" dirty="0"/>
               <a:t>© 2021 Slalom, LLC CONFIDENTIAL &amp; PROPRIETARY</a:t>
             </a:r>
+          </a:p>
+        </p:txBody>
+      </p:sp>
+      <p:sp>
+        <p:nvSpPr>
+          <p:cNvPr id="2" name="TextBox 1">
+            <a:extLst>
+              <a:ext uri="{FF2B5EF4-FFF2-40B4-BE49-F238E27FC236}">
+                <a16:creationId xmlns:a16="http://schemas.microsoft.com/office/drawing/2014/main" id="{2F469937-F1FD-9940-AFB8-F0FD2AF47264}"/>
+              </a:ext>
+            </a:extLst>
+          </p:cNvPr>
+          <p:cNvSpPr txBox="1"/>
+          <p:nvPr/>
+        </p:nvSpPr>
+        <p:spPr>
+          <a:xfrm>
+            <a:off x="7642578" y="1952978"/>
+            <a:ext cx="0" cy="0"/>
+          </a:xfrm>
+          <a:prstGeom prst="rect">
+            <a:avLst/>
+          </a:prstGeom>
+          <a:noFill/>
+        </p:spPr>
+        <p:txBody>
+          <a:bodyPr wrap="none" lIns="0" rtlCol="0">
+            <a:noAutofit/>
+          </a:bodyPr>
+          <a:lstStyle/>
+          <a:p>
+            <a:endParaRPr lang="en-US" sz="1600" dirty="0" err="1">
+              <a:latin typeface="Slalom Sans Light" panose="00000400000000000000" pitchFamily="50" charset="0"/>
+            </a:endParaRPr>
           </a:p>
         </p:txBody>
       </p:sp>
@@ -35344,15 +35196,6 @@
 </file>
 
 <file path=customXml/item1.xml><?xml version="1.0" encoding="utf-8"?>
-<?mso-contentType ?>
-<FormTemplates xmlns="http://schemas.microsoft.com/sharepoint/v3/contenttype/forms">
-  <Display>DocumentLibraryForm</Display>
-  <Edit>DocumentLibraryForm</Edit>
-  <New>DocumentLibraryForm</New>
-</FormTemplates>
-</file>
-
-<file path=customXml/item2.xml><?xml version="1.0" encoding="utf-8"?>
 <ct:contentTypeSchema xmlns:ct="http://schemas.microsoft.com/office/2006/metadata/contentType" xmlns:ma="http://schemas.microsoft.com/office/2006/metadata/properties/metaAttributes" ct:_="" ma:_="" ma:contentTypeName="Document" ma:contentTypeID="0x0101002106D8940D7E474C81206741DFF1A187" ma:contentTypeVersion="2" ma:contentTypeDescription="Create a new document." ma:contentTypeScope="" ma:versionID="4a7cea56504639e33412c5f5b9fc44f5">
   <xsd:schema xmlns:xsd="http://www.w3.org/2001/XMLSchema" xmlns:xs="http://www.w3.org/2001/XMLSchema" xmlns:p="http://schemas.microsoft.com/office/2006/metadata/properties" xmlns:ns2="688f81b3-add1-4848-9903-9e79280bdbc2" targetNamespace="http://schemas.microsoft.com/office/2006/metadata/properties" ma:root="true" ma:fieldsID="fca95ec89f486fa20a116f523121f4f8" ns2:_="">
     <xsd:import namespace="688f81b3-add1-4848-9903-9e79280bdbc2"/>
@@ -35484,6 +35327,15 @@
 </ct:contentTypeSchema>
 </file>
 
+<file path=customXml/item2.xml><?xml version="1.0" encoding="utf-8"?>
+<?mso-contentType ?>
+<FormTemplates xmlns="http://schemas.microsoft.com/sharepoint/v3/contenttype/forms">
+  <Display>DocumentLibraryForm</Display>
+  <Edit>DocumentLibraryForm</Edit>
+  <New>DocumentLibraryForm</New>
+</FormTemplates>
+</file>
+
 <file path=customXml/item3.xml><?xml version="1.0" encoding="utf-8"?>
 <p:properties xmlns:p="http://schemas.microsoft.com/office/2006/metadata/properties" xmlns:xsi="http://www.w3.org/2001/XMLSchema-instance" xmlns:pc="http://schemas.microsoft.com/office/infopath/2007/PartnerControls">
   <documentManagement/>
@@ -35491,14 +35343,6 @@
 </file>
 
 <file path=customXml/itemProps1.xml><?xml version="1.0" encoding="utf-8"?>
-<ds:datastoreItem xmlns:ds="http://schemas.openxmlformats.org/officeDocument/2006/customXml" ds:itemID="{8129816E-A34A-478F-BB60-AA115C97BCCA}">
-  <ds:schemaRefs>
-    <ds:schemaRef ds:uri="http://schemas.microsoft.com/sharepoint/v3/contenttype/forms"/>
-  </ds:schemaRefs>
-</ds:datastoreItem>
-</file>
-
-<file path=customXml/itemProps2.xml><?xml version="1.0" encoding="utf-8"?>
 <ds:datastoreItem xmlns:ds="http://schemas.openxmlformats.org/officeDocument/2006/customXml" ds:itemID="{345B7BB3-E76E-4AF0-925F-98C0CCE548AB}">
   <ds:schemaRefs>
     <ds:schemaRef ds:uri="http://schemas.microsoft.com/office/2006/metadata/contentType"/>
@@ -35512,6 +35356,14 @@
     <ds:schemaRef ds:uri="http://purl.org/dc/elements/1.1/"/>
     <ds:schemaRef ds:uri="http://purl.org/dc/terms/"/>
     <ds:schemaRef ds:uri="http://schemas.microsoft.com/internal/obd"/>
+  </ds:schemaRefs>
+</ds:datastoreItem>
+</file>
+
+<file path=customXml/itemProps2.xml><?xml version="1.0" encoding="utf-8"?>
+<ds:datastoreItem xmlns:ds="http://schemas.openxmlformats.org/officeDocument/2006/customXml" ds:itemID="{8129816E-A34A-478F-BB60-AA115C97BCCA}">
+  <ds:schemaRefs>
+    <ds:schemaRef ds:uri="http://schemas.microsoft.com/sharepoint/v3/contenttype/forms"/>
   </ds:schemaRefs>
 </ds:datastoreItem>
 </file>

--- a/Presentation1.pptx
+++ b/Presentation1.pptx
@@ -37,12 +37,8 @@
       <p:regular r:id="rId20"/>
     </p:embeddedFont>
     <p:embeddedFont>
-      <p:font typeface="Slalom Sans Light Italic" pitchFamily="2" charset="77"/>
-      <p:italic r:id="rId21"/>
-    </p:embeddedFont>
-    <p:embeddedFont>
       <p:font typeface="SlalomSans-Light" pitchFamily="2" charset="77"/>
-      <p:regular r:id="rId22"/>
+      <p:regular r:id="rId21"/>
     </p:embeddedFont>
   </p:embeddedFontLst>
   <p:defaultTextStyle>
@@ -12780,56 +12776,13 @@
       </p:sp>
       <p:sp>
         <p:nvSpPr>
-          <p:cNvPr id="7" name="object 3"/>
-          <p:cNvSpPr txBox="1"/>
-          <p:nvPr/>
-        </p:nvSpPr>
-        <p:spPr>
-          <a:xfrm>
-            <a:off x="566159" y="2391543"/>
-            <a:ext cx="8113281" cy="1065575"/>
-          </a:xfrm>
-          <a:prstGeom prst="rect">
-            <a:avLst/>
-          </a:prstGeom>
-        </p:spPr>
-        <p:txBody>
-          <a:bodyPr vert="horz" wrap="square" lIns="0" tIns="6930" rIns="0" bIns="0" rtlCol="0">
-            <a:noAutofit/>
-          </a:bodyPr>
-          <a:lstStyle/>
-          <a:p>
-            <a:pPr marL="7700" marR="3080">
-              <a:lnSpc>
-                <a:spcPct val="130000"/>
-              </a:lnSpc>
-            </a:pPr>
-            <a:r>
-              <a:rPr lang="en-US" sz="2400" b="1" spc="9" dirty="0">
-                <a:solidFill>
-                  <a:srgbClr val="09091C"/>
-                </a:solidFill>
-                <a:latin typeface="Slalom Sans Light Italic" pitchFamily="2" charset="77"/>
-                <a:cs typeface="SlalomSans-Light"/>
-              </a:rPr>
-              <a:t> </a:t>
-            </a:r>
-            <a:endParaRPr sz="2400" b="1" dirty="0">
-              <a:latin typeface="Slalom Sans Light Italic" pitchFamily="2" charset="77"/>
-              <a:cs typeface="SlalomSans-Light"/>
-            </a:endParaRPr>
-          </a:p>
-        </p:txBody>
-      </p:sp>
-      <p:sp>
-        <p:nvSpPr>
           <p:cNvPr id="9" name="object 5"/>
           <p:cNvSpPr txBox="1"/>
           <p:nvPr/>
         </p:nvSpPr>
         <p:spPr>
           <a:xfrm>
-            <a:off x="355077" y="762000"/>
+            <a:off x="352791" y="597571"/>
             <a:ext cx="10911234" cy="2162331"/>
           </a:xfrm>
           <a:prstGeom prst="rect">
@@ -12858,7 +12811,7 @@
               <a:t>Benefits of CI/CD to </a:t>
             </a:r>
             <a:r>
-              <a:rPr lang="en-US" sz="5400" b="1" spc="-185" dirty="0" err="1">
+              <a:rPr lang="en-US" sz="5400" b="1" spc="-185" dirty="0">
                 <a:solidFill>
                   <a:schemeClr val="accent1">
                     <a:lumMod val="75000"/>
@@ -12950,6 +12903,1286 @@
             <a:endParaRPr lang="en-US" sz="1600" dirty="0" err="1">
               <a:latin typeface="Slalom Sans Light" panose="00000400000000000000" pitchFamily="50" charset="0"/>
             </a:endParaRPr>
+          </a:p>
+        </p:txBody>
+      </p:sp>
+      <p:sp>
+        <p:nvSpPr>
+          <p:cNvPr id="14" name="object 5">
+            <a:extLst>
+              <a:ext uri="{FF2B5EF4-FFF2-40B4-BE49-F238E27FC236}">
+                <a16:creationId xmlns:a16="http://schemas.microsoft.com/office/drawing/2014/main" id="{04FC61E7-2F46-CA4F-92AB-C33E6377A251}"/>
+              </a:ext>
+            </a:extLst>
+          </p:cNvPr>
+          <p:cNvSpPr txBox="1"/>
+          <p:nvPr/>
+        </p:nvSpPr>
+        <p:spPr>
+          <a:xfrm>
+            <a:off x="5070259" y="3571181"/>
+            <a:ext cx="2137127" cy="348250"/>
+          </a:xfrm>
+          <a:prstGeom prst="rect">
+            <a:avLst/>
+          </a:prstGeom>
+        </p:spPr>
+        <p:txBody>
+          <a:bodyPr vert="horz" wrap="square" lIns="0" tIns="7316" rIns="0" bIns="0" rtlCol="0">
+            <a:spAutoFit/>
+          </a:bodyPr>
+          <a:lstStyle/>
+          <a:p>
+            <a:pPr marL="7701" marR="3081" defTabSz="554492">
+              <a:lnSpc>
+                <a:spcPct val="126000"/>
+              </a:lnSpc>
+              <a:spcBef>
+                <a:spcPts val="58"/>
+              </a:spcBef>
+            </a:pPr>
+            <a:r>
+              <a:rPr lang="en-US" sz="2000" spc="12" dirty="0">
+                <a:solidFill>
+                  <a:srgbClr val="151527"/>
+                </a:solidFill>
+                <a:latin typeface="SlalomSans-Light"/>
+                <a:cs typeface="SlalomSans-Light"/>
+              </a:rPr>
+              <a:t>Cost Reduction</a:t>
+            </a:r>
+            <a:endParaRPr lang="en-US" sz="2000" dirty="0">
+              <a:solidFill>
+                <a:srgbClr val="1E1E1E"/>
+              </a:solidFill>
+              <a:latin typeface="SlalomSans-Light"/>
+              <a:cs typeface="SlalomSans-Light"/>
+            </a:endParaRPr>
+          </a:p>
+        </p:txBody>
+      </p:sp>
+      <p:sp>
+        <p:nvSpPr>
+          <p:cNvPr id="15" name="object 6">
+            <a:extLst>
+              <a:ext uri="{FF2B5EF4-FFF2-40B4-BE49-F238E27FC236}">
+                <a16:creationId xmlns:a16="http://schemas.microsoft.com/office/drawing/2014/main" id="{1B305C00-C706-2E47-A320-CC6A5F53E5CD}"/>
+              </a:ext>
+            </a:extLst>
+          </p:cNvPr>
+          <p:cNvSpPr txBox="1"/>
+          <p:nvPr/>
+        </p:nvSpPr>
+        <p:spPr>
+          <a:xfrm>
+            <a:off x="8810980" y="3567762"/>
+            <a:ext cx="2453045" cy="748872"/>
+          </a:xfrm>
+          <a:prstGeom prst="rect">
+            <a:avLst/>
+          </a:prstGeom>
+        </p:spPr>
+        <p:txBody>
+          <a:bodyPr vert="horz" wrap="square" lIns="0" tIns="7316" rIns="0" bIns="0" rtlCol="0">
+            <a:spAutoFit/>
+          </a:bodyPr>
+          <a:lstStyle/>
+          <a:p>
+            <a:pPr marL="7701" marR="3081" defTabSz="554492">
+              <a:lnSpc>
+                <a:spcPct val="126000"/>
+              </a:lnSpc>
+              <a:spcBef>
+                <a:spcPts val="58"/>
+              </a:spcBef>
+            </a:pPr>
+            <a:r>
+              <a:rPr lang="en-US" sz="2000" spc="12" dirty="0">
+                <a:solidFill>
+                  <a:srgbClr val="151527"/>
+                </a:solidFill>
+                <a:latin typeface="SlalomSans-Light"/>
+                <a:cs typeface="SlalomSans-Light"/>
+              </a:rPr>
+              <a:t>Revenue Increase</a:t>
+            </a:r>
+            <a:endParaRPr lang="en-US" sz="2000" dirty="0">
+              <a:solidFill>
+                <a:srgbClr val="1E1E1E"/>
+              </a:solidFill>
+              <a:latin typeface="SlalomSans-Light"/>
+              <a:cs typeface="SlalomSans-Light"/>
+            </a:endParaRPr>
+          </a:p>
+          <a:p>
+            <a:pPr marL="7701" marR="3081" defTabSz="554492">
+              <a:lnSpc>
+                <a:spcPct val="126000"/>
+              </a:lnSpc>
+              <a:spcBef>
+                <a:spcPts val="58"/>
+              </a:spcBef>
+            </a:pPr>
+            <a:endParaRPr lang="en-US" sz="2000" dirty="0">
+              <a:solidFill>
+                <a:srgbClr val="1E1E1E"/>
+              </a:solidFill>
+              <a:latin typeface="SlalomSans-Light"/>
+              <a:cs typeface="SlalomSans-Light"/>
+            </a:endParaRPr>
+          </a:p>
+        </p:txBody>
+      </p:sp>
+      <p:sp>
+        <p:nvSpPr>
+          <p:cNvPr id="16" name="object 16">
+            <a:extLst>
+              <a:ext uri="{FF2B5EF4-FFF2-40B4-BE49-F238E27FC236}">
+                <a16:creationId xmlns:a16="http://schemas.microsoft.com/office/drawing/2014/main" id="{416F7E78-DA91-FF46-BCDC-7EE016D057FA}"/>
+              </a:ext>
+            </a:extLst>
+          </p:cNvPr>
+          <p:cNvSpPr/>
+          <p:nvPr/>
+        </p:nvSpPr>
+        <p:spPr>
+          <a:xfrm>
+            <a:off x="1357073" y="3043403"/>
+            <a:ext cx="298810" cy="298810"/>
+          </a:xfrm>
+          <a:custGeom>
+            <a:avLst/>
+            <a:gdLst/>
+            <a:ahLst/>
+            <a:cxnLst/>
+            <a:rect l="l" t="t" r="r" b="b"/>
+            <a:pathLst>
+              <a:path w="492759" h="492760">
+                <a:moveTo>
+                  <a:pt x="84975" y="381876"/>
+                </a:moveTo>
+                <a:lnTo>
+                  <a:pt x="66357" y="356044"/>
+                </a:lnTo>
+                <a:lnTo>
+                  <a:pt x="51752" y="327520"/>
+                </a:lnTo>
+                <a:lnTo>
+                  <a:pt x="41567" y="296697"/>
+                </a:lnTo>
+                <a:lnTo>
+                  <a:pt x="36220" y="263982"/>
+                </a:lnTo>
+                <a:lnTo>
+                  <a:pt x="0" y="263982"/>
+                </a:lnTo>
+                <a:lnTo>
+                  <a:pt x="6159" y="303949"/>
+                </a:lnTo>
+                <a:lnTo>
+                  <a:pt x="18465" y="341553"/>
+                </a:lnTo>
+                <a:lnTo>
+                  <a:pt x="36385" y="376250"/>
+                </a:lnTo>
+                <a:lnTo>
+                  <a:pt x="59359" y="407492"/>
+                </a:lnTo>
+                <a:lnTo>
+                  <a:pt x="84975" y="381876"/>
+                </a:lnTo>
+                <a:close/>
+              </a:path>
+              <a:path w="492759" h="492760">
+                <a:moveTo>
+                  <a:pt x="85699" y="109918"/>
+                </a:moveTo>
+                <a:lnTo>
+                  <a:pt x="36931" y="115519"/>
+                </a:lnTo>
+                <a:lnTo>
+                  <a:pt x="18834" y="150215"/>
+                </a:lnTo>
+                <a:lnTo>
+                  <a:pt x="6362" y="187845"/>
+                </a:lnTo>
+                <a:lnTo>
+                  <a:pt x="50" y="227876"/>
+                </a:lnTo>
+                <a:lnTo>
+                  <a:pt x="36296" y="227876"/>
+                </a:lnTo>
+                <a:lnTo>
+                  <a:pt x="41783" y="195110"/>
+                </a:lnTo>
+                <a:lnTo>
+                  <a:pt x="52120" y="164261"/>
+                </a:lnTo>
+                <a:lnTo>
+                  <a:pt x="66903" y="135724"/>
+                </a:lnTo>
+                <a:lnTo>
+                  <a:pt x="85699" y="109918"/>
+                </a:lnTo>
+                <a:close/>
+              </a:path>
+              <a:path w="492759" h="492760">
+                <a:moveTo>
+                  <a:pt x="229196" y="456450"/>
+                </a:moveTo>
+                <a:lnTo>
+                  <a:pt x="196240" y="451129"/>
+                </a:lnTo>
+                <a:lnTo>
+                  <a:pt x="165188" y="440905"/>
+                </a:lnTo>
+                <a:lnTo>
+                  <a:pt x="136461" y="426199"/>
+                </a:lnTo>
+                <a:lnTo>
+                  <a:pt x="110477" y="407428"/>
+                </a:lnTo>
+                <a:lnTo>
+                  <a:pt x="84874" y="433044"/>
+                </a:lnTo>
+                <a:lnTo>
+                  <a:pt x="116255" y="456171"/>
+                </a:lnTo>
+                <a:lnTo>
+                  <a:pt x="151155" y="474179"/>
+                </a:lnTo>
+                <a:lnTo>
+                  <a:pt x="188976" y="486524"/>
+                </a:lnTo>
+                <a:lnTo>
+                  <a:pt x="229196" y="492658"/>
+                </a:lnTo>
+                <a:lnTo>
+                  <a:pt x="229196" y="456450"/>
+                </a:lnTo>
+                <a:close/>
+              </a:path>
+              <a:path w="492759" h="492760">
+                <a:moveTo>
+                  <a:pt x="229196" y="0"/>
+                </a:moveTo>
+                <a:lnTo>
+                  <a:pt x="189268" y="6057"/>
+                </a:lnTo>
+                <a:lnTo>
+                  <a:pt x="151676" y="18249"/>
+                </a:lnTo>
+                <a:lnTo>
+                  <a:pt x="116992" y="36042"/>
+                </a:lnTo>
+                <a:lnTo>
+                  <a:pt x="85725" y="58877"/>
+                </a:lnTo>
+                <a:lnTo>
+                  <a:pt x="111353" y="84493"/>
+                </a:lnTo>
+                <a:lnTo>
+                  <a:pt x="137185" y="66001"/>
+                </a:lnTo>
+                <a:lnTo>
+                  <a:pt x="165722" y="51523"/>
+                </a:lnTo>
+                <a:lnTo>
+                  <a:pt x="196519" y="41452"/>
+                </a:lnTo>
+                <a:lnTo>
+                  <a:pt x="229196" y="36207"/>
+                </a:lnTo>
+                <a:lnTo>
+                  <a:pt x="229196" y="0"/>
+                </a:lnTo>
+                <a:close/>
+              </a:path>
+              <a:path w="492759" h="492760">
+                <a:moveTo>
+                  <a:pt x="384289" y="240017"/>
+                </a:moveTo>
+                <a:lnTo>
+                  <a:pt x="373494" y="192900"/>
+                </a:lnTo>
+                <a:lnTo>
+                  <a:pt x="349885" y="155282"/>
+                </a:lnTo>
+                <a:lnTo>
+                  <a:pt x="348183" y="153479"/>
+                </a:lnTo>
+                <a:lnTo>
+                  <a:pt x="348183" y="240017"/>
+                </a:lnTo>
+                <a:lnTo>
+                  <a:pt x="348183" y="252361"/>
+                </a:lnTo>
+                <a:lnTo>
+                  <a:pt x="336016" y="294538"/>
+                </a:lnTo>
+                <a:lnTo>
+                  <a:pt x="305181" y="329399"/>
+                </a:lnTo>
+                <a:lnTo>
+                  <a:pt x="265303" y="346417"/>
+                </a:lnTo>
+                <a:lnTo>
+                  <a:pt x="252793" y="348221"/>
+                </a:lnTo>
+                <a:lnTo>
+                  <a:pt x="240461" y="348221"/>
+                </a:lnTo>
+                <a:lnTo>
+                  <a:pt x="197446" y="335699"/>
+                </a:lnTo>
+                <a:lnTo>
+                  <a:pt x="162560" y="304292"/>
+                </a:lnTo>
+                <a:lnTo>
+                  <a:pt x="145961" y="263994"/>
+                </a:lnTo>
+                <a:lnTo>
+                  <a:pt x="144399" y="252361"/>
+                </a:lnTo>
+                <a:lnTo>
+                  <a:pt x="144399" y="240017"/>
+                </a:lnTo>
+                <a:lnTo>
+                  <a:pt x="157365" y="196672"/>
+                </a:lnTo>
+                <a:lnTo>
+                  <a:pt x="188976" y="162128"/>
+                </a:lnTo>
+                <a:lnTo>
+                  <a:pt x="229184" y="145897"/>
+                </a:lnTo>
+                <a:lnTo>
+                  <a:pt x="240461" y="144437"/>
+                </a:lnTo>
+                <a:lnTo>
+                  <a:pt x="252793" y="144437"/>
+                </a:lnTo>
+                <a:lnTo>
+                  <a:pt x="295325" y="157048"/>
+                </a:lnTo>
+                <a:lnTo>
+                  <a:pt x="329831" y="188099"/>
+                </a:lnTo>
+                <a:lnTo>
+                  <a:pt x="346468" y="227876"/>
+                </a:lnTo>
+                <a:lnTo>
+                  <a:pt x="348183" y="240017"/>
+                </a:lnTo>
+                <a:lnTo>
+                  <a:pt x="348183" y="153479"/>
+                </a:lnTo>
+                <a:lnTo>
+                  <a:pt x="343687" y="148691"/>
+                </a:lnTo>
+                <a:lnTo>
+                  <a:pt x="339140" y="144437"/>
+                </a:lnTo>
+                <a:lnTo>
+                  <a:pt x="337083" y="142506"/>
+                </a:lnTo>
+                <a:lnTo>
+                  <a:pt x="299808" y="119151"/>
+                </a:lnTo>
+                <a:lnTo>
+                  <a:pt x="259080" y="108800"/>
+                </a:lnTo>
+                <a:lnTo>
+                  <a:pt x="252742" y="108318"/>
+                </a:lnTo>
+                <a:lnTo>
+                  <a:pt x="240499" y="108318"/>
+                </a:lnTo>
+                <a:lnTo>
+                  <a:pt x="194005" y="118643"/>
+                </a:lnTo>
+                <a:lnTo>
+                  <a:pt x="156095" y="141986"/>
+                </a:lnTo>
+                <a:lnTo>
+                  <a:pt x="127355" y="176453"/>
+                </a:lnTo>
+                <a:lnTo>
+                  <a:pt x="109550" y="227876"/>
+                </a:lnTo>
+                <a:lnTo>
+                  <a:pt x="108280" y="240017"/>
+                </a:lnTo>
+                <a:lnTo>
+                  <a:pt x="108280" y="252361"/>
+                </a:lnTo>
+                <a:lnTo>
+                  <a:pt x="118859" y="299237"/>
+                </a:lnTo>
+                <a:lnTo>
+                  <a:pt x="142468" y="337121"/>
+                </a:lnTo>
+                <a:lnTo>
+                  <a:pt x="177215" y="365734"/>
+                </a:lnTo>
+                <a:lnTo>
+                  <a:pt x="229184" y="383247"/>
+                </a:lnTo>
+                <a:lnTo>
+                  <a:pt x="240499" y="384327"/>
+                </a:lnTo>
+                <a:lnTo>
+                  <a:pt x="252742" y="384327"/>
+                </a:lnTo>
+                <a:lnTo>
+                  <a:pt x="300329" y="373278"/>
+                </a:lnTo>
+                <a:lnTo>
+                  <a:pt x="337921" y="349389"/>
+                </a:lnTo>
+                <a:lnTo>
+                  <a:pt x="366064" y="314794"/>
+                </a:lnTo>
+                <a:lnTo>
+                  <a:pt x="383133" y="263994"/>
+                </a:lnTo>
+                <a:lnTo>
+                  <a:pt x="384289" y="252361"/>
+                </a:lnTo>
+                <a:lnTo>
+                  <a:pt x="384289" y="240017"/>
+                </a:lnTo>
+                <a:close/>
+              </a:path>
+              <a:path w="492759" h="492760">
+                <a:moveTo>
+                  <a:pt x="407454" y="59385"/>
+                </a:moveTo>
+                <a:lnTo>
+                  <a:pt x="376491" y="36588"/>
+                </a:lnTo>
+                <a:lnTo>
+                  <a:pt x="342125" y="18757"/>
+                </a:lnTo>
+                <a:lnTo>
+                  <a:pt x="304888" y="6426"/>
+                </a:lnTo>
+                <a:lnTo>
+                  <a:pt x="265303" y="127"/>
+                </a:lnTo>
+                <a:lnTo>
+                  <a:pt x="265303" y="36385"/>
+                </a:lnTo>
+                <a:lnTo>
+                  <a:pt x="297624" y="41846"/>
+                </a:lnTo>
+                <a:lnTo>
+                  <a:pt x="328079" y="52044"/>
+                </a:lnTo>
+                <a:lnTo>
+                  <a:pt x="356285" y="66560"/>
+                </a:lnTo>
+                <a:lnTo>
+                  <a:pt x="381838" y="85013"/>
+                </a:lnTo>
+                <a:lnTo>
+                  <a:pt x="407454" y="59385"/>
+                </a:lnTo>
+                <a:close/>
+              </a:path>
+              <a:path w="492759" h="492760">
+                <a:moveTo>
+                  <a:pt x="408292" y="432523"/>
+                </a:moveTo>
+                <a:lnTo>
+                  <a:pt x="382701" y="406920"/>
+                </a:lnTo>
+                <a:lnTo>
+                  <a:pt x="357009" y="425653"/>
+                </a:lnTo>
+                <a:lnTo>
+                  <a:pt x="328612" y="440385"/>
+                </a:lnTo>
+                <a:lnTo>
+                  <a:pt x="297903" y="450735"/>
+                </a:lnTo>
+                <a:lnTo>
+                  <a:pt x="265303" y="456272"/>
+                </a:lnTo>
+                <a:lnTo>
+                  <a:pt x="265303" y="492531"/>
+                </a:lnTo>
+                <a:lnTo>
+                  <a:pt x="305168" y="486168"/>
+                </a:lnTo>
+                <a:lnTo>
+                  <a:pt x="342646" y="473671"/>
+                </a:lnTo>
+                <a:lnTo>
+                  <a:pt x="377202" y="455612"/>
+                </a:lnTo>
+                <a:lnTo>
+                  <a:pt x="408292" y="432523"/>
+                </a:lnTo>
+                <a:close/>
+              </a:path>
+              <a:path w="492759" h="492760">
+                <a:moveTo>
+                  <a:pt x="492531" y="227876"/>
+                </a:moveTo>
+                <a:lnTo>
+                  <a:pt x="486270" y="188048"/>
+                </a:lnTo>
+                <a:lnTo>
+                  <a:pt x="473900" y="150583"/>
+                </a:lnTo>
+                <a:lnTo>
+                  <a:pt x="455968" y="116027"/>
+                </a:lnTo>
+                <a:lnTo>
+                  <a:pt x="433006" y="84912"/>
+                </a:lnTo>
+                <a:lnTo>
+                  <a:pt x="407390" y="110528"/>
+                </a:lnTo>
+                <a:lnTo>
+                  <a:pt x="425996" y="136232"/>
+                </a:lnTo>
+                <a:lnTo>
+                  <a:pt x="440613" y="164630"/>
+                </a:lnTo>
+                <a:lnTo>
+                  <a:pt x="450850" y="195313"/>
+                </a:lnTo>
+                <a:lnTo>
+                  <a:pt x="456285" y="227876"/>
+                </a:lnTo>
+                <a:lnTo>
+                  <a:pt x="492531" y="227876"/>
+                </a:lnTo>
+                <a:close/>
+              </a:path>
+              <a:path w="492759" h="492760">
+                <a:moveTo>
+                  <a:pt x="492582" y="263982"/>
+                </a:moveTo>
+                <a:lnTo>
+                  <a:pt x="456361" y="263982"/>
+                </a:lnTo>
+                <a:lnTo>
+                  <a:pt x="451065" y="296494"/>
+                </a:lnTo>
+                <a:lnTo>
+                  <a:pt x="440982" y="327152"/>
+                </a:lnTo>
+                <a:lnTo>
+                  <a:pt x="426542" y="355549"/>
+                </a:lnTo>
+                <a:lnTo>
+                  <a:pt x="408127" y="381266"/>
+                </a:lnTo>
+                <a:lnTo>
+                  <a:pt x="433743" y="406882"/>
+                </a:lnTo>
+                <a:lnTo>
+                  <a:pt x="456514" y="375742"/>
+                </a:lnTo>
+                <a:lnTo>
+                  <a:pt x="474268" y="341185"/>
+                </a:lnTo>
+                <a:lnTo>
+                  <a:pt x="486460" y="303758"/>
+                </a:lnTo>
+                <a:lnTo>
+                  <a:pt x="492582" y="263982"/>
+                </a:lnTo>
+                <a:close/>
+              </a:path>
+            </a:pathLst>
+          </a:custGeom>
+          <a:solidFill>
+            <a:srgbClr val="0D61FA"/>
+          </a:solidFill>
+        </p:spPr>
+        <p:txBody>
+          <a:bodyPr wrap="square" lIns="0" tIns="0" rIns="0" bIns="0" rtlCol="0"/>
+          <a:lstStyle/>
+          <a:p>
+            <a:pPr defTabSz="554492"/>
+            <a:endParaRPr sz="2400" dirty="0">
+              <a:solidFill>
+                <a:srgbClr val="1E1E1E"/>
+              </a:solidFill>
+              <a:latin typeface="Slalom Sans" panose="00000500000000000000" pitchFamily="50" charset="0"/>
+            </a:endParaRPr>
+          </a:p>
+        </p:txBody>
+      </p:sp>
+      <p:sp>
+        <p:nvSpPr>
+          <p:cNvPr id="17" name="object 17">
+            <a:extLst>
+              <a:ext uri="{FF2B5EF4-FFF2-40B4-BE49-F238E27FC236}">
+                <a16:creationId xmlns:a16="http://schemas.microsoft.com/office/drawing/2014/main" id="{9DB5D78E-15E8-9B49-BDF7-3D2FE879B477}"/>
+              </a:ext>
+            </a:extLst>
+          </p:cNvPr>
+          <p:cNvSpPr/>
+          <p:nvPr/>
+        </p:nvSpPr>
+        <p:spPr>
+          <a:xfrm>
+            <a:off x="5359653" y="3053992"/>
+            <a:ext cx="292264" cy="237585"/>
+          </a:xfrm>
+          <a:custGeom>
+            <a:avLst/>
+            <a:gdLst/>
+            <a:ahLst/>
+            <a:cxnLst/>
+            <a:rect l="l" t="t" r="r" b="b"/>
+            <a:pathLst>
+              <a:path w="481965" h="391795">
+                <a:moveTo>
+                  <a:pt x="120635" y="0"/>
+                </a:moveTo>
+                <a:lnTo>
+                  <a:pt x="565" y="0"/>
+                </a:lnTo>
+                <a:lnTo>
+                  <a:pt x="0" y="310315"/>
+                </a:lnTo>
+                <a:lnTo>
+                  <a:pt x="120163" y="310315"/>
+                </a:lnTo>
+                <a:lnTo>
+                  <a:pt x="141155" y="311651"/>
+                </a:lnTo>
+                <a:lnTo>
+                  <a:pt x="161769" y="315614"/>
+                </a:lnTo>
+                <a:lnTo>
+                  <a:pt x="181724" y="322131"/>
+                </a:lnTo>
+                <a:lnTo>
+                  <a:pt x="200737" y="331131"/>
+                </a:lnTo>
+                <a:lnTo>
+                  <a:pt x="263018" y="365611"/>
+                </a:lnTo>
+                <a:lnTo>
+                  <a:pt x="286086" y="376536"/>
+                </a:lnTo>
+                <a:lnTo>
+                  <a:pt x="310300" y="384467"/>
+                </a:lnTo>
+                <a:lnTo>
+                  <a:pt x="335317" y="389315"/>
+                </a:lnTo>
+                <a:lnTo>
+                  <a:pt x="360795" y="390993"/>
+                </a:lnTo>
+                <a:lnTo>
+                  <a:pt x="481168" y="391286"/>
+                </a:lnTo>
+                <a:lnTo>
+                  <a:pt x="481231" y="354680"/>
+                </a:lnTo>
+                <a:lnTo>
+                  <a:pt x="444719" y="354680"/>
+                </a:lnTo>
+                <a:lnTo>
+                  <a:pt x="360879" y="354481"/>
+                </a:lnTo>
+                <a:lnTo>
+                  <a:pt x="353534" y="354295"/>
+                </a:lnTo>
+                <a:lnTo>
+                  <a:pt x="346210" y="353786"/>
+                </a:lnTo>
+                <a:lnTo>
+                  <a:pt x="338920" y="352957"/>
+                </a:lnTo>
+                <a:lnTo>
+                  <a:pt x="331675" y="351811"/>
+                </a:lnTo>
+                <a:lnTo>
+                  <a:pt x="331696" y="340774"/>
+                </a:lnTo>
+                <a:lnTo>
+                  <a:pt x="295174" y="340774"/>
+                </a:lnTo>
+                <a:lnTo>
+                  <a:pt x="290252" y="338638"/>
+                </a:lnTo>
+                <a:lnTo>
+                  <a:pt x="285415" y="336272"/>
+                </a:lnTo>
+                <a:lnTo>
+                  <a:pt x="218433" y="299174"/>
+                </a:lnTo>
+                <a:lnTo>
+                  <a:pt x="210588" y="295058"/>
+                </a:lnTo>
+                <a:lnTo>
+                  <a:pt x="202580" y="291290"/>
+                </a:lnTo>
+                <a:lnTo>
+                  <a:pt x="194423" y="287878"/>
+                </a:lnTo>
+                <a:lnTo>
+                  <a:pt x="186130" y="284829"/>
+                </a:lnTo>
+                <a:lnTo>
+                  <a:pt x="186145" y="275949"/>
+                </a:lnTo>
+                <a:lnTo>
+                  <a:pt x="149618" y="275949"/>
+                </a:lnTo>
+                <a:lnTo>
+                  <a:pt x="142296" y="275007"/>
+                </a:lnTo>
+                <a:lnTo>
+                  <a:pt x="134942" y="274333"/>
+                </a:lnTo>
+                <a:lnTo>
+                  <a:pt x="127562" y="273928"/>
+                </a:lnTo>
+                <a:lnTo>
+                  <a:pt x="120163" y="273792"/>
+                </a:lnTo>
+                <a:lnTo>
+                  <a:pt x="36585" y="273792"/>
+                </a:lnTo>
+                <a:lnTo>
+                  <a:pt x="37025" y="36522"/>
+                </a:lnTo>
+                <a:lnTo>
+                  <a:pt x="239011" y="36522"/>
+                </a:lnTo>
+                <a:lnTo>
+                  <a:pt x="218883" y="25381"/>
+                </a:lnTo>
+                <a:lnTo>
+                  <a:pt x="195701" y="14409"/>
+                </a:lnTo>
+                <a:lnTo>
+                  <a:pt x="171369" y="6463"/>
+                </a:lnTo>
+                <a:lnTo>
+                  <a:pt x="146231" y="1630"/>
+                </a:lnTo>
+                <a:lnTo>
+                  <a:pt x="120635" y="0"/>
+                </a:lnTo>
+                <a:close/>
+              </a:path>
+              <a:path w="481965" h="391795">
+                <a:moveTo>
+                  <a:pt x="481644" y="115022"/>
+                </a:moveTo>
+                <a:lnTo>
+                  <a:pt x="332115" y="115022"/>
+                </a:lnTo>
+                <a:lnTo>
+                  <a:pt x="339366" y="115962"/>
+                </a:lnTo>
+                <a:lnTo>
+                  <a:pt x="346650" y="116643"/>
+                </a:lnTo>
+                <a:lnTo>
+                  <a:pt x="353959" y="117060"/>
+                </a:lnTo>
+                <a:lnTo>
+                  <a:pt x="361287" y="117211"/>
+                </a:lnTo>
+                <a:lnTo>
+                  <a:pt x="445117" y="117410"/>
+                </a:lnTo>
+                <a:lnTo>
+                  <a:pt x="444719" y="354680"/>
+                </a:lnTo>
+                <a:lnTo>
+                  <a:pt x="481231" y="354680"/>
+                </a:lnTo>
+                <a:lnTo>
+                  <a:pt x="481644" y="115022"/>
+                </a:lnTo>
+                <a:close/>
+              </a:path>
+              <a:path w="481965" h="391795">
+                <a:moveTo>
+                  <a:pt x="295362" y="239469"/>
+                </a:moveTo>
+                <a:lnTo>
+                  <a:pt x="295174" y="340774"/>
+                </a:lnTo>
+                <a:lnTo>
+                  <a:pt x="331696" y="340774"/>
+                </a:lnTo>
+                <a:lnTo>
+                  <a:pt x="331853" y="257761"/>
+                </a:lnTo>
+                <a:lnTo>
+                  <a:pt x="295362" y="239469"/>
+                </a:lnTo>
+                <a:close/>
+              </a:path>
+              <a:path w="481965" h="391795">
+                <a:moveTo>
+                  <a:pt x="149806" y="166476"/>
+                </a:moveTo>
+                <a:lnTo>
+                  <a:pt x="149618" y="275949"/>
+                </a:lnTo>
+                <a:lnTo>
+                  <a:pt x="186145" y="275949"/>
+                </a:lnTo>
+                <a:lnTo>
+                  <a:pt x="186297" y="184779"/>
+                </a:lnTo>
+                <a:lnTo>
+                  <a:pt x="149806" y="166476"/>
+                </a:lnTo>
+                <a:close/>
+              </a:path>
+              <a:path w="481965" h="391795">
+                <a:moveTo>
+                  <a:pt x="263604" y="50134"/>
+                </a:moveTo>
+                <a:lnTo>
+                  <a:pt x="186528" y="50134"/>
+                </a:lnTo>
+                <a:lnTo>
+                  <a:pt x="191522" y="52291"/>
+                </a:lnTo>
+                <a:lnTo>
+                  <a:pt x="196423" y="54689"/>
+                </a:lnTo>
+                <a:lnTo>
+                  <a:pt x="263531" y="91829"/>
+                </a:lnTo>
+                <a:lnTo>
+                  <a:pt x="295614" y="106101"/>
+                </a:lnTo>
+                <a:lnTo>
+                  <a:pt x="295436" y="198653"/>
+                </a:lnTo>
+                <a:lnTo>
+                  <a:pt x="331927" y="216946"/>
+                </a:lnTo>
+                <a:lnTo>
+                  <a:pt x="332115" y="115022"/>
+                </a:lnTo>
+                <a:lnTo>
+                  <a:pt x="481644" y="115022"/>
+                </a:lnTo>
+                <a:lnTo>
+                  <a:pt x="481702" y="80981"/>
+                </a:lnTo>
+                <a:lnTo>
+                  <a:pt x="361371" y="80688"/>
+                </a:lnTo>
+                <a:lnTo>
+                  <a:pt x="340489" y="79316"/>
+                </a:lnTo>
+                <a:lnTo>
+                  <a:pt x="319982" y="75343"/>
+                </a:lnTo>
+                <a:lnTo>
+                  <a:pt x="300131" y="68841"/>
+                </a:lnTo>
+                <a:lnTo>
+                  <a:pt x="281216" y="59882"/>
+                </a:lnTo>
+                <a:lnTo>
+                  <a:pt x="263604" y="50134"/>
+                </a:lnTo>
+                <a:close/>
+              </a:path>
+              <a:path w="481965" h="391795">
+                <a:moveTo>
+                  <a:pt x="239011" y="36522"/>
+                </a:moveTo>
+                <a:lnTo>
+                  <a:pt x="120635" y="36522"/>
+                </a:lnTo>
+                <a:lnTo>
+                  <a:pt x="128032" y="36688"/>
+                </a:lnTo>
+                <a:lnTo>
+                  <a:pt x="135405" y="37184"/>
+                </a:lnTo>
+                <a:lnTo>
+                  <a:pt x="142741" y="38006"/>
+                </a:lnTo>
+                <a:lnTo>
+                  <a:pt x="150026" y="39150"/>
+                </a:lnTo>
+                <a:lnTo>
+                  <a:pt x="149880" y="125661"/>
+                </a:lnTo>
+                <a:lnTo>
+                  <a:pt x="186371" y="143953"/>
+                </a:lnTo>
+                <a:lnTo>
+                  <a:pt x="186528" y="50134"/>
+                </a:lnTo>
+                <a:lnTo>
+                  <a:pt x="263604" y="50134"/>
+                </a:lnTo>
+                <a:lnTo>
+                  <a:pt x="239011" y="36522"/>
+                </a:lnTo>
+                <a:close/>
+              </a:path>
+            </a:pathLst>
+          </a:custGeom>
+          <a:solidFill>
+            <a:srgbClr val="0D61FA"/>
+          </a:solidFill>
+        </p:spPr>
+        <p:txBody>
+          <a:bodyPr wrap="square" lIns="0" tIns="0" rIns="0" bIns="0" rtlCol="0"/>
+          <a:lstStyle/>
+          <a:p>
+            <a:pPr defTabSz="554492"/>
+            <a:endParaRPr sz="2000" dirty="0">
+              <a:solidFill>
+                <a:srgbClr val="1E1E1E"/>
+              </a:solidFill>
+              <a:latin typeface="Slalom Sans" panose="00000500000000000000" pitchFamily="50" charset="0"/>
+            </a:endParaRPr>
+          </a:p>
+        </p:txBody>
+      </p:sp>
+      <p:sp>
+        <p:nvSpPr>
+          <p:cNvPr id="18" name="object 18">
+            <a:extLst>
+              <a:ext uri="{FF2B5EF4-FFF2-40B4-BE49-F238E27FC236}">
+                <a16:creationId xmlns:a16="http://schemas.microsoft.com/office/drawing/2014/main" id="{1D7A1E22-9834-5F42-BBDB-3147D6B206EB}"/>
+              </a:ext>
+            </a:extLst>
+          </p:cNvPr>
+          <p:cNvSpPr/>
+          <p:nvPr/>
+        </p:nvSpPr>
+        <p:spPr>
+          <a:xfrm>
+            <a:off x="9249910" y="3172785"/>
+            <a:ext cx="74702" cy="100887"/>
+          </a:xfrm>
+          <a:custGeom>
+            <a:avLst/>
+            <a:gdLst/>
+            <a:ahLst/>
+            <a:cxnLst/>
+            <a:rect l="l" t="t" r="r" b="b"/>
+            <a:pathLst>
+              <a:path w="123190" h="166370">
+                <a:moveTo>
+                  <a:pt x="122682" y="37071"/>
+                </a:moveTo>
+                <a:lnTo>
+                  <a:pt x="86169" y="37071"/>
+                </a:lnTo>
+                <a:lnTo>
+                  <a:pt x="86169" y="129260"/>
+                </a:lnTo>
+                <a:lnTo>
+                  <a:pt x="122682" y="129260"/>
+                </a:lnTo>
+                <a:lnTo>
+                  <a:pt x="122682" y="37071"/>
+                </a:lnTo>
+                <a:close/>
+              </a:path>
+              <a:path w="123190" h="166370">
+                <a:moveTo>
+                  <a:pt x="122682" y="0"/>
+                </a:moveTo>
+                <a:lnTo>
+                  <a:pt x="0" y="0"/>
+                </a:lnTo>
+                <a:lnTo>
+                  <a:pt x="0" y="36830"/>
+                </a:lnTo>
+                <a:lnTo>
+                  <a:pt x="0" y="129540"/>
+                </a:lnTo>
+                <a:lnTo>
+                  <a:pt x="0" y="166370"/>
+                </a:lnTo>
+                <a:lnTo>
+                  <a:pt x="122682" y="166370"/>
+                </a:lnTo>
+                <a:lnTo>
+                  <a:pt x="122682" y="129540"/>
+                </a:lnTo>
+                <a:lnTo>
+                  <a:pt x="36537" y="129540"/>
+                </a:lnTo>
+                <a:lnTo>
+                  <a:pt x="36537" y="36830"/>
+                </a:lnTo>
+                <a:lnTo>
+                  <a:pt x="122682" y="36830"/>
+                </a:lnTo>
+                <a:lnTo>
+                  <a:pt x="122682" y="0"/>
+                </a:lnTo>
+                <a:close/>
+              </a:path>
+            </a:pathLst>
+          </a:custGeom>
+          <a:solidFill>
+            <a:srgbClr val="0D61FA"/>
+          </a:solidFill>
+        </p:spPr>
+        <p:txBody>
+          <a:bodyPr wrap="square" lIns="0" tIns="0" rIns="0" bIns="0" rtlCol="0"/>
+          <a:lstStyle/>
+          <a:p>
+            <a:pPr defTabSz="554492"/>
+            <a:endParaRPr sz="2000" dirty="0">
+              <a:solidFill>
+                <a:srgbClr val="1E1E1E"/>
+              </a:solidFill>
+              <a:latin typeface="Slalom Sans" panose="00000500000000000000" pitchFamily="50" charset="0"/>
+            </a:endParaRPr>
+          </a:p>
+        </p:txBody>
+      </p:sp>
+      <p:sp>
+        <p:nvSpPr>
+          <p:cNvPr id="19" name="object 19">
+            <a:extLst>
+              <a:ext uri="{FF2B5EF4-FFF2-40B4-BE49-F238E27FC236}">
+                <a16:creationId xmlns:a16="http://schemas.microsoft.com/office/drawing/2014/main" id="{2AC09CFC-7B73-FB45-8194-D32E3240875D}"/>
+              </a:ext>
+            </a:extLst>
+          </p:cNvPr>
+          <p:cNvSpPr/>
+          <p:nvPr/>
+        </p:nvSpPr>
+        <p:spPr>
+          <a:xfrm>
+            <a:off x="9355687" y="3111945"/>
+            <a:ext cx="74702" cy="161727"/>
+          </a:xfrm>
+          <a:custGeom>
+            <a:avLst/>
+            <a:gdLst/>
+            <a:ahLst/>
+            <a:cxnLst/>
+            <a:rect l="l" t="t" r="r" b="b"/>
+            <a:pathLst>
+              <a:path w="123190" h="266700">
+                <a:moveTo>
+                  <a:pt x="122682" y="0"/>
+                </a:moveTo>
+                <a:lnTo>
+                  <a:pt x="0" y="0"/>
+                </a:lnTo>
+                <a:lnTo>
+                  <a:pt x="0" y="36830"/>
+                </a:lnTo>
+                <a:lnTo>
+                  <a:pt x="0" y="229870"/>
+                </a:lnTo>
+                <a:lnTo>
+                  <a:pt x="0" y="266700"/>
+                </a:lnTo>
+                <a:lnTo>
+                  <a:pt x="122682" y="266700"/>
+                </a:lnTo>
+                <a:lnTo>
+                  <a:pt x="122682" y="229870"/>
+                </a:lnTo>
+                <a:lnTo>
+                  <a:pt x="36525" y="229870"/>
+                </a:lnTo>
+                <a:lnTo>
+                  <a:pt x="36525" y="36830"/>
+                </a:lnTo>
+                <a:lnTo>
+                  <a:pt x="86156" y="36830"/>
+                </a:lnTo>
+                <a:lnTo>
+                  <a:pt x="86156" y="229590"/>
+                </a:lnTo>
+                <a:lnTo>
+                  <a:pt x="122682" y="229590"/>
+                </a:lnTo>
+                <a:lnTo>
+                  <a:pt x="122682" y="36830"/>
+                </a:lnTo>
+                <a:lnTo>
+                  <a:pt x="122682" y="36512"/>
+                </a:lnTo>
+                <a:lnTo>
+                  <a:pt x="122682" y="0"/>
+                </a:lnTo>
+                <a:close/>
+              </a:path>
+            </a:pathLst>
+          </a:custGeom>
+          <a:solidFill>
+            <a:srgbClr val="0D61FA"/>
+          </a:solidFill>
+        </p:spPr>
+        <p:txBody>
+          <a:bodyPr wrap="square" lIns="0" tIns="0" rIns="0" bIns="0" rtlCol="0"/>
+          <a:lstStyle/>
+          <a:p>
+            <a:pPr defTabSz="554492"/>
+            <a:endParaRPr sz="2000" dirty="0">
+              <a:solidFill>
+                <a:srgbClr val="1E1E1E"/>
+              </a:solidFill>
+              <a:latin typeface="Slalom Sans" panose="00000500000000000000" pitchFamily="50" charset="0"/>
+            </a:endParaRPr>
+          </a:p>
+        </p:txBody>
+      </p:sp>
+      <p:sp>
+        <p:nvSpPr>
+          <p:cNvPr id="20" name="object 20">
+            <a:extLst>
+              <a:ext uri="{FF2B5EF4-FFF2-40B4-BE49-F238E27FC236}">
+                <a16:creationId xmlns:a16="http://schemas.microsoft.com/office/drawing/2014/main" id="{369B50DF-65CA-8C48-BD04-28FEF5B0CA1E}"/>
+              </a:ext>
+            </a:extLst>
+          </p:cNvPr>
+          <p:cNvSpPr/>
+          <p:nvPr/>
+        </p:nvSpPr>
+        <p:spPr>
+          <a:xfrm>
+            <a:off x="9461464" y="3028772"/>
+            <a:ext cx="74702" cy="244901"/>
+          </a:xfrm>
+          <a:custGeom>
+            <a:avLst/>
+            <a:gdLst/>
+            <a:ahLst/>
+            <a:cxnLst/>
+            <a:rect l="l" t="t" r="r" b="b"/>
+            <a:pathLst>
+              <a:path w="123190" h="403860">
+                <a:moveTo>
+                  <a:pt x="122682" y="0"/>
+                </a:moveTo>
+                <a:lnTo>
+                  <a:pt x="0" y="0"/>
+                </a:lnTo>
+                <a:lnTo>
+                  <a:pt x="0" y="36830"/>
+                </a:lnTo>
+                <a:lnTo>
+                  <a:pt x="0" y="367030"/>
+                </a:lnTo>
+                <a:lnTo>
+                  <a:pt x="0" y="403860"/>
+                </a:lnTo>
+                <a:lnTo>
+                  <a:pt x="122682" y="403860"/>
+                </a:lnTo>
+                <a:lnTo>
+                  <a:pt x="122682" y="367030"/>
+                </a:lnTo>
+                <a:lnTo>
+                  <a:pt x="36525" y="367030"/>
+                </a:lnTo>
+                <a:lnTo>
+                  <a:pt x="36525" y="36830"/>
+                </a:lnTo>
+                <a:lnTo>
+                  <a:pt x="86156" y="36830"/>
+                </a:lnTo>
+                <a:lnTo>
+                  <a:pt x="86156" y="366750"/>
+                </a:lnTo>
+                <a:lnTo>
+                  <a:pt x="122682" y="366750"/>
+                </a:lnTo>
+                <a:lnTo>
+                  <a:pt x="122682" y="36830"/>
+                </a:lnTo>
+                <a:lnTo>
+                  <a:pt x="122682" y="36207"/>
+                </a:lnTo>
+                <a:lnTo>
+                  <a:pt x="122682" y="0"/>
+                </a:lnTo>
+                <a:close/>
+              </a:path>
+            </a:pathLst>
+          </a:custGeom>
+          <a:solidFill>
+            <a:srgbClr val="0D61FA"/>
+          </a:solidFill>
+        </p:spPr>
+        <p:txBody>
+          <a:bodyPr wrap="square" lIns="0" tIns="0" rIns="0" bIns="0" rtlCol="0"/>
+          <a:lstStyle/>
+          <a:p>
+            <a:pPr defTabSz="554492"/>
+            <a:endParaRPr sz="2000" dirty="0">
+              <a:solidFill>
+                <a:srgbClr val="1E1E1E"/>
+              </a:solidFill>
+              <a:latin typeface="Slalom Sans" panose="00000500000000000000" pitchFamily="50" charset="0"/>
+            </a:endParaRPr>
+          </a:p>
+        </p:txBody>
+      </p:sp>
+      <p:sp>
+        <p:nvSpPr>
+          <p:cNvPr id="3" name="Rectangle 2">
+            <a:extLst>
+              <a:ext uri="{FF2B5EF4-FFF2-40B4-BE49-F238E27FC236}">
+                <a16:creationId xmlns:a16="http://schemas.microsoft.com/office/drawing/2014/main" id="{8EDFF847-37FC-6347-A3E6-2B39804CD5F7}"/>
+              </a:ext>
+            </a:extLst>
+          </p:cNvPr>
+          <p:cNvSpPr/>
+          <p:nvPr/>
+        </p:nvSpPr>
+        <p:spPr>
+          <a:xfrm>
+            <a:off x="529454" y="3511055"/>
+            <a:ext cx="2661370" cy="433196"/>
+          </a:xfrm>
+          <a:prstGeom prst="rect">
+            <a:avLst/>
+          </a:prstGeom>
+        </p:spPr>
+        <p:txBody>
+          <a:bodyPr wrap="none">
+            <a:spAutoFit/>
+          </a:bodyPr>
+          <a:lstStyle/>
+          <a:p>
+            <a:pPr marL="7701" marR="3081" defTabSz="554492">
+              <a:lnSpc>
+                <a:spcPct val="126000"/>
+              </a:lnSpc>
+              <a:spcBef>
+                <a:spcPts val="58"/>
+              </a:spcBef>
+            </a:pPr>
+            <a:r>
+              <a:rPr lang="en-US" sz="2000" spc="12" dirty="0">
+                <a:solidFill>
+                  <a:srgbClr val="151527"/>
+                </a:solidFill>
+                <a:latin typeface="SlalomSans-Light"/>
+                <a:cs typeface="SlalomSans-Light"/>
+              </a:rPr>
+              <a:t>Better Performance </a:t>
+            </a:r>
           </a:p>
         </p:txBody>
       </p:sp>
@@ -14781,7 +16014,7 @@
               </a:spcBef>
             </a:pPr>
             <a:r>
-              <a:rPr lang="en-US" sz="1092" spc="12">
+              <a:rPr lang="en-US" sz="1092" spc="12" dirty="0">
                 <a:solidFill>
                   <a:srgbClr val="151527"/>
                 </a:solidFill>
@@ -14791,7 +16024,7 @@
               <a:t>Icon of your choice and relevant key point, </a:t>
             </a:r>
             <a:r>
-              <a:rPr lang="en-US" sz="1092" spc="18">
+              <a:rPr lang="en-US" sz="1092" spc="18" dirty="0">
                 <a:solidFill>
                   <a:srgbClr val="151527"/>
                 </a:solidFill>
@@ -14801,7 +16034,7 @@
               <a:t>no longer than </a:t>
             </a:r>
             <a:r>
-              <a:rPr lang="en-US" sz="1092" spc="15">
+              <a:rPr lang="en-US" sz="1092" spc="15" dirty="0">
                 <a:solidFill>
                   <a:srgbClr val="151527"/>
                 </a:solidFill>
@@ -14811,17 +16044,17 @@
               <a:t>three</a:t>
             </a:r>
             <a:r>
-              <a:rPr lang="en-US" sz="1092" spc="42">
-                <a:solidFill>
-                  <a:srgbClr val="151527"/>
-                </a:solidFill>
-                <a:latin typeface="SlalomSans-Light"/>
-                <a:cs typeface="SlalomSans-Light"/>
-              </a:rPr>
-              <a:t> </a:t>
-            </a:r>
-            <a:r>
-              <a:rPr lang="en-US" sz="1092" spc="24">
+              <a:rPr lang="en-US" sz="1092" spc="42" dirty="0">
+                <a:solidFill>
+                  <a:srgbClr val="151527"/>
+                </a:solidFill>
+                <a:latin typeface="SlalomSans-Light"/>
+                <a:cs typeface="SlalomSans-Light"/>
+              </a:rPr>
+              <a:t> </a:t>
+            </a:r>
+            <a:r>
+              <a:rPr lang="en-US" sz="1092" spc="24" dirty="0">
                 <a:solidFill>
                   <a:srgbClr val="151527"/>
                 </a:solidFill>
@@ -14830,7 +16063,7 @@
               </a:rPr>
               <a:t>lines.</a:t>
             </a:r>
-            <a:endParaRPr lang="en-US" sz="1092">
+            <a:endParaRPr lang="en-US" sz="1092" dirty="0">
               <a:solidFill>
                 <a:srgbClr val="1E1E1E"/>
               </a:solidFill>
@@ -14870,7 +16103,7 @@
               </a:spcBef>
             </a:pPr>
             <a:r>
-              <a:rPr lang="en-US" sz="1092" spc="12">
+              <a:rPr lang="en-US" sz="1092" spc="12" dirty="0">
                 <a:solidFill>
                   <a:srgbClr val="151527"/>
                 </a:solidFill>
@@ -14880,7 +16113,7 @@
               <a:t>Icon of your choice and relevant key point, </a:t>
             </a:r>
             <a:r>
-              <a:rPr lang="en-US" sz="1092" spc="18">
+              <a:rPr lang="en-US" sz="1092" spc="18" dirty="0">
                 <a:solidFill>
                   <a:srgbClr val="151527"/>
                 </a:solidFill>
@@ -14890,7 +16123,7 @@
               <a:t>no longer than </a:t>
             </a:r>
             <a:r>
-              <a:rPr lang="en-US" sz="1092" spc="15">
+              <a:rPr lang="en-US" sz="1092" spc="15" dirty="0">
                 <a:solidFill>
                   <a:srgbClr val="151527"/>
                 </a:solidFill>
@@ -14900,17 +16133,17 @@
               <a:t>three</a:t>
             </a:r>
             <a:r>
-              <a:rPr lang="en-US" sz="1092" spc="42">
-                <a:solidFill>
-                  <a:srgbClr val="151527"/>
-                </a:solidFill>
-                <a:latin typeface="SlalomSans-Light"/>
-                <a:cs typeface="SlalomSans-Light"/>
-              </a:rPr>
-              <a:t> </a:t>
-            </a:r>
-            <a:r>
-              <a:rPr lang="en-US" sz="1092" spc="24">
+              <a:rPr lang="en-US" sz="1092" spc="42" dirty="0">
+                <a:solidFill>
+                  <a:srgbClr val="151527"/>
+                </a:solidFill>
+                <a:latin typeface="SlalomSans-Light"/>
+                <a:cs typeface="SlalomSans-Light"/>
+              </a:rPr>
+              <a:t> </a:t>
+            </a:r>
+            <a:r>
+              <a:rPr lang="en-US" sz="1092" spc="24" dirty="0">
                 <a:solidFill>
                   <a:srgbClr val="151527"/>
                 </a:solidFill>
@@ -14919,7 +16152,7 @@
               </a:rPr>
               <a:t>lines.</a:t>
             </a:r>
-            <a:endParaRPr lang="en-US" sz="1092">
+            <a:endParaRPr lang="en-US" sz="1092" dirty="0">
               <a:solidFill>
                 <a:srgbClr val="1E1E1E"/>
               </a:solidFill>

--- a/Presentation1.pptx
+++ b/Presentation1.pptx
@@ -12191,6 +12191,46 @@
           </a:p>
         </p:txBody>
       </p:sp>
+      <p:sp>
+        <p:nvSpPr>
+          <p:cNvPr id="4" name="TextBox 3">
+            <a:extLst>
+              <a:ext uri="{FF2B5EF4-FFF2-40B4-BE49-F238E27FC236}">
+                <a16:creationId xmlns:a16="http://schemas.microsoft.com/office/drawing/2014/main" id="{0A94F655-F2D3-FF43-AE9F-9814FC1B72F3}"/>
+              </a:ext>
+            </a:extLst>
+          </p:cNvPr>
+          <p:cNvSpPr txBox="1"/>
+          <p:nvPr/>
+        </p:nvSpPr>
+        <p:spPr>
+          <a:xfrm>
+            <a:off x="4184238" y="435627"/>
+            <a:ext cx="3995303" cy="1210951"/>
+          </a:xfrm>
+          <a:prstGeom prst="rect">
+            <a:avLst/>
+          </a:prstGeom>
+          <a:noFill/>
+        </p:spPr>
+        <p:txBody>
+          <a:bodyPr wrap="square" lIns="0" rtlCol="0">
+            <a:noAutofit/>
+          </a:bodyPr>
+          <a:lstStyle/>
+          <a:p>
+            <a:r>
+              <a:rPr lang="en-US" sz="5400" dirty="0">
+                <a:solidFill>
+                  <a:schemeClr val="bg1"/>
+                </a:solidFill>
+                <a:latin typeface="Slalom Sans Light" panose="00000400000000000000" pitchFamily="50" charset="0"/>
+              </a:rPr>
+              <a:t>Thank you</a:t>
+            </a:r>
+          </a:p>
+        </p:txBody>
+      </p:sp>
     </p:spTree>
     <p:extLst>
       <p:ext uri="{BB962C8B-B14F-4D97-AF65-F5344CB8AC3E}">
@@ -14357,7 +14397,7 @@
               <a:defRPr/>
             </a:pPr>
             <a:r>
-              <a:rPr kumimoji="0" lang="en-US" sz="6600" b="0" i="0" u="none" strike="noStrike" kern="1200" cap="none" spc="-150" normalizeH="0" baseline="0" noProof="0" dirty="0">
+              <a:rPr kumimoji="0" lang="en-US" sz="2400" b="0" i="0" u="none" strike="noStrike" kern="1200" cap="none" spc="-150" normalizeH="0" baseline="0" noProof="0" dirty="0">
                 <a:ln>
                   <a:noFill/>
                 </a:ln>
@@ -14370,9 +14410,60 @@
                 <a:latin typeface="Slalom Sans Bold"/>
                 <a:ea typeface="+mj-ea"/>
               </a:rPr>
-              <a:t>Multiple page layouts</a:t>
-            </a:r>
-            <a:endParaRPr kumimoji="0" lang="en-US" sz="6600" b="0" i="0" u="none" strike="noStrike" kern="0" cap="none" spc="-150" normalizeH="0" baseline="0" noProof="0" dirty="0">
+              <a:t>Storytime:</a:t>
+            </a:r>
+          </a:p>
+          <a:p>
+            <a:pPr marL="7700" marR="16170" lvl="0" indent="0" algn="l" defTabSz="914400" rtl="0" eaLnBrk="1" fontAlgn="auto" latinLnBrk="0" hangingPunct="1">
+              <a:lnSpc>
+                <a:spcPct val="100200"/>
+              </a:lnSpc>
+              <a:spcBef>
+                <a:spcPts val="58"/>
+              </a:spcBef>
+              <a:spcAft>
+                <a:spcPts val="0"/>
+              </a:spcAft>
+              <a:buClrTx/>
+              <a:buSzTx/>
+              <a:buFontTx/>
+              <a:buNone/>
+              <a:tabLst/>
+              <a:defRPr/>
+            </a:pPr>
+            <a:endParaRPr lang="en-US" sz="2400" b="0" spc="-150" dirty="0">
+              <a:solidFill>
+                <a:srgbClr val="FFFFFF"/>
+              </a:solidFill>
+            </a:endParaRPr>
+          </a:p>
+          <a:p>
+            <a:pPr marL="7700" marR="16170" lvl="0" indent="0" algn="l" defTabSz="914400" rtl="0" eaLnBrk="1" fontAlgn="auto" latinLnBrk="0" hangingPunct="1">
+              <a:lnSpc>
+                <a:spcPct val="100200"/>
+              </a:lnSpc>
+              <a:spcBef>
+                <a:spcPts val="58"/>
+              </a:spcBef>
+              <a:spcAft>
+                <a:spcPts val="0"/>
+              </a:spcAft>
+              <a:buClrTx/>
+              <a:buSzTx/>
+              <a:buFontTx/>
+              <a:buNone/>
+              <a:tabLst/>
+              <a:defRPr/>
+            </a:pPr>
+            <a:r>
+              <a:rPr lang="en-US" sz="2400" b="0" spc="-150" dirty="0">
+                <a:solidFill>
+                  <a:srgbClr val="FFFFFF"/>
+                </a:solidFill>
+              </a:rPr>
+              <a:t> </a:t>
+            </a:r>
+            <a:endParaRPr kumimoji="0" lang="en-US" sz="2400" b="0" i="0" u="none" strike="noStrike" kern="0" cap="none" spc="-150" normalizeH="0" baseline="0" noProof="0" dirty="0">
               <a:ln>
                 <a:noFill/>
               </a:ln>
@@ -14402,7 +14493,7 @@
         </p:nvSpPr>
         <p:spPr>
           <a:xfrm>
-            <a:off x="601740" y="1041888"/>
+            <a:off x="409829" y="466154"/>
             <a:ext cx="3829895" cy="164385"/>
           </a:xfrm>
           <a:prstGeom prst="rect">

--- a/Presentation1.pptx
+++ b/Presentation1.pptx
@@ -299,7 +299,7 @@
             <a:fld id="{8F5E64C8-9D9E-4CF5-AA89-8B029B5028BE}" type="datetimeFigureOut">
               <a:rPr lang="en-GB" smtClean="0"/>
               <a:pPr/>
-              <a:t>09/11/2021</a:t>
+              <a:t>10/11/2021</a:t>
             </a:fld>
             <a:endParaRPr lang="en-GB" dirty="0"/>
           </a:p>
@@ -774,7 +774,7 @@
           <a:p>
             <a:fld id="{DB7EE005-9238-4EDB-8632-E512DDF58CAA}" type="datetime1">
               <a:rPr lang="en-GB" smtClean="0"/>
-              <a:t>09/11/2021</a:t>
+              <a:t>10/11/2021</a:t>
             </a:fld>
             <a:endParaRPr lang="en-GB"/>
           </a:p>
@@ -921,7 +921,7 @@
           <a:p>
             <a:fld id="{4552F92F-1A4C-4811-A2F0-0FC9FC2DF3E9}" type="datetime1">
               <a:rPr lang="en-GB" smtClean="0"/>
-              <a:t>09/11/2021</a:t>
+              <a:t>10/11/2021</a:t>
             </a:fld>
             <a:endParaRPr lang="en-GB"/>
           </a:p>
@@ -1024,7 +1024,7 @@
           <a:p>
             <a:fld id="{4552F92F-1A4C-4811-A2F0-0FC9FC2DF3E9}" type="datetime1">
               <a:rPr lang="en-GB" smtClean="0"/>
-              <a:t>09/11/2021</a:t>
+              <a:t>10/11/2021</a:t>
             </a:fld>
             <a:endParaRPr lang="en-GB"/>
           </a:p>
@@ -1168,7 +1168,7 @@
           <a:p>
             <a:fld id="{F6EF39B3-04F5-42A6-A55F-73F9A76E46F8}" type="datetime1">
               <a:rPr lang="en-GB" smtClean="0"/>
-              <a:t>09/11/2021</a:t>
+              <a:t>10/11/2021</a:t>
             </a:fld>
             <a:endParaRPr lang="en-GB"/>
           </a:p>
@@ -1321,7 +1321,7 @@
           <a:p>
             <a:fld id="{F6EF39B3-04F5-42A6-A55F-73F9A76E46F8}" type="datetime1">
               <a:rPr lang="en-GB" smtClean="0"/>
-              <a:t>09/11/2021</a:t>
+              <a:t>10/11/2021</a:t>
             </a:fld>
             <a:endParaRPr lang="en-GB"/>
           </a:p>
@@ -2478,7 +2478,7 @@
           <a:p>
             <a:fld id="{DB7EE005-9238-4EDB-8632-E512DDF58CAA}" type="datetime1">
               <a:rPr lang="en-GB" smtClean="0"/>
-              <a:t>09/11/2021</a:t>
+              <a:t>10/11/2021</a:t>
             </a:fld>
             <a:endParaRPr lang="en-GB"/>
           </a:p>
@@ -2795,7 +2795,7 @@
           <a:p>
             <a:fld id="{DB7EE005-9238-4EDB-8632-E512DDF58CAA}" type="datetime1">
               <a:rPr lang="en-GB" smtClean="0"/>
-              <a:t>09/11/2021</a:t>
+              <a:t>10/11/2021</a:t>
             </a:fld>
             <a:endParaRPr lang="en-GB"/>
           </a:p>
@@ -2988,7 +2988,7 @@
           <a:p>
             <a:fld id="{DB7EE005-9238-4EDB-8632-E512DDF58CAA}" type="datetime1">
               <a:rPr lang="en-GB" smtClean="0"/>
-              <a:t>09/11/2021</a:t>
+              <a:t>10/11/2021</a:t>
             </a:fld>
             <a:endParaRPr lang="en-GB"/>
           </a:p>
@@ -3265,7 +3265,7 @@
           <a:p>
             <a:fld id="{F6EF39B3-04F5-42A6-A55F-73F9A76E46F8}" type="datetime1">
               <a:rPr lang="en-GB" smtClean="0"/>
-              <a:t>09/11/2021</a:t>
+              <a:t>10/11/2021</a:t>
             </a:fld>
             <a:endParaRPr lang="en-GB"/>
           </a:p>
@@ -3399,7 +3399,7 @@
           <a:p>
             <a:fld id="{F6EF39B3-04F5-42A6-A55F-73F9A76E46F8}" type="datetime1">
               <a:rPr lang="en-GB" smtClean="0"/>
-              <a:t>09/11/2021</a:t>
+              <a:t>10/11/2021</a:t>
             </a:fld>
             <a:endParaRPr lang="en-GB"/>
           </a:p>
@@ -3743,7 +3743,7 @@
           <a:p>
             <a:fld id="{F6EF39B3-04F5-42A6-A55F-73F9A76E46F8}" type="datetime1">
               <a:rPr lang="en-GB" smtClean="0"/>
-              <a:t>09/11/2021</a:t>
+              <a:t>10/11/2021</a:t>
             </a:fld>
             <a:endParaRPr lang="en-GB"/>
           </a:p>
@@ -3894,7 +3894,7 @@
             <a:fld id="{F6DCCAE5-81E0-4F95-BC28-74328FF60048}" type="datetime1">
               <a:rPr lang="en-GB" smtClean="0"/>
               <a:pPr/>
-              <a:t>09/11/2021</a:t>
+              <a:t>10/11/2021</a:t>
             </a:fld>
             <a:endParaRPr lang="en-GB"/>
           </a:p>
@@ -4056,7 +4056,7 @@
           <a:p>
             <a:fld id="{F6EF39B3-04F5-42A6-A55F-73F9A76E46F8}" type="datetime1">
               <a:rPr lang="en-GB" smtClean="0"/>
-              <a:t>09/11/2021</a:t>
+              <a:t>10/11/2021</a:t>
             </a:fld>
             <a:endParaRPr lang="en-GB"/>
           </a:p>
@@ -4237,7 +4237,7 @@
           <a:p>
             <a:fld id="{1D8BD707-D9CF-40AE-B4C6-C98DA3205C09}" type="datetimeFigureOut">
               <a:rPr lang="en-US"/>
-              <a:t>11/9/21</a:t>
+              <a:t>11/10/21</a:t>
             </a:fld>
             <a:endParaRPr lang="en-US"/>
           </a:p>
@@ -4459,7 +4459,7 @@
           <a:p>
             <a:fld id="{1D8BD707-D9CF-40AE-B4C6-C98DA3205C09}" type="datetimeFigureOut">
               <a:rPr lang="en-US"/>
-              <a:t>11/9/21</a:t>
+              <a:t>11/10/21</a:t>
             </a:fld>
             <a:endParaRPr lang="en-US"/>
           </a:p>
@@ -4544,7 +4544,7 @@
           <a:p>
             <a:fld id="{DB7EE005-9238-4EDB-8632-E512DDF58CAA}" type="datetime1">
               <a:rPr lang="en-GB" smtClean="0"/>
-              <a:t>09/11/2021</a:t>
+              <a:t>10/11/2021</a:t>
             </a:fld>
             <a:endParaRPr lang="en-GB"/>
           </a:p>
@@ -4696,7 +4696,7 @@
             <a:fld id="{F6DCCAE5-81E0-4F95-BC28-74328FF60048}" type="datetime1">
               <a:rPr lang="en-GB" smtClean="0"/>
               <a:pPr/>
-              <a:t>09/11/2021</a:t>
+              <a:t>10/11/2021</a:t>
             </a:fld>
             <a:endParaRPr lang="en-GB"/>
           </a:p>
@@ -4886,7 +4886,7 @@
           <a:p>
             <a:fld id="{DB7EE005-9238-4EDB-8632-E512DDF58CAA}" type="datetime1">
               <a:rPr lang="en-GB" smtClean="0"/>
-              <a:t>09/11/2021</a:t>
+              <a:t>10/11/2021</a:t>
             </a:fld>
             <a:endParaRPr lang="en-GB"/>
           </a:p>
@@ -5006,7 +5006,7 @@
             <a:fld id="{F6DCCAE5-81E0-4F95-BC28-74328FF60048}" type="datetime1">
               <a:rPr lang="en-GB" smtClean="0"/>
               <a:pPr/>
-              <a:t>09/11/2021</a:t>
+              <a:t>10/11/2021</a:t>
             </a:fld>
             <a:endParaRPr lang="en-GB"/>
           </a:p>
@@ -5221,7 +5221,7 @@
           <a:p>
             <a:fld id="{F6EF39B3-04F5-42A6-A55F-73F9A76E46F8}" type="datetime1">
               <a:rPr lang="en-GB" smtClean="0"/>
-              <a:t>09/11/2021</a:t>
+              <a:t>10/11/2021</a:t>
             </a:fld>
             <a:endParaRPr lang="en-GB"/>
           </a:p>
@@ -5413,7 +5413,7 @@
           <a:p>
             <a:fld id="{4552F92F-1A4C-4811-A2F0-0FC9FC2DF3E9}" type="datetime1">
               <a:rPr lang="en-GB" smtClean="0"/>
-              <a:t>09/11/2021</a:t>
+              <a:t>10/11/2021</a:t>
             </a:fld>
             <a:endParaRPr lang="en-GB"/>
           </a:p>
@@ -5552,7 +5552,7 @@
           <a:p>
             <a:fld id="{4552F92F-1A4C-4811-A2F0-0FC9FC2DF3E9}" type="datetime1">
               <a:rPr lang="en-GB" smtClean="0"/>
-              <a:t>09/11/2021</a:t>
+              <a:t>10/11/2021</a:t>
             </a:fld>
             <a:endParaRPr lang="en-GB"/>
           </a:p>
@@ -5803,7 +5803,7 @@
           <a:p>
             <a:fld id="{F6EF39B3-04F5-42A6-A55F-73F9A76E46F8}" type="datetime1">
               <a:rPr lang="en-GB" smtClean="0"/>
-              <a:t>09/11/2021</a:t>
+              <a:t>10/11/2021</a:t>
             </a:fld>
             <a:endParaRPr lang="en-GB"/>
           </a:p>
@@ -8711,7 +8711,7 @@
         </p:nvSpPr>
         <p:spPr>
           <a:xfrm>
-            <a:off x="5855452" y="4158144"/>
+            <a:off x="6894030" y="4045636"/>
             <a:ext cx="0" cy="708519"/>
           </a:xfrm>
           <a:custGeom>
@@ -8759,7 +8759,7 @@
         </p:nvSpPr>
         <p:spPr>
           <a:xfrm>
-            <a:off x="5988756" y="4084110"/>
+            <a:off x="7117645" y="4003552"/>
             <a:ext cx="2025055" cy="309184"/>
           </a:xfrm>
           <a:prstGeom prst="rect">
@@ -14244,6 +14244,15 @@
 </file>
 
 <file path=customXml/item1.xml><?xml version="1.0" encoding="utf-8"?>
+<?mso-contentType ?>
+<FormTemplates xmlns="http://schemas.microsoft.com/sharepoint/v3/contenttype/forms">
+  <Display>DocumentLibraryForm</Display>
+  <Edit>DocumentLibraryForm</Edit>
+  <New>DocumentLibraryForm</New>
+</FormTemplates>
+</file>
+
+<file path=customXml/item2.xml><?xml version="1.0" encoding="utf-8"?>
 <ct:contentTypeSchema xmlns:ct="http://schemas.microsoft.com/office/2006/metadata/contentType" xmlns:ma="http://schemas.microsoft.com/office/2006/metadata/properties/metaAttributes" ct:_="" ma:_="" ma:contentTypeName="Document" ma:contentTypeID="0x0101002106D8940D7E474C81206741DFF1A187" ma:contentTypeVersion="2" ma:contentTypeDescription="Create a new document." ma:contentTypeScope="" ma:versionID="4a7cea56504639e33412c5f5b9fc44f5">
   <xsd:schema xmlns:xsd="http://www.w3.org/2001/XMLSchema" xmlns:xs="http://www.w3.org/2001/XMLSchema" xmlns:p="http://schemas.microsoft.com/office/2006/metadata/properties" xmlns:ns2="688f81b3-add1-4848-9903-9e79280bdbc2" targetNamespace="http://schemas.microsoft.com/office/2006/metadata/properties" ma:root="true" ma:fieldsID="fca95ec89f486fa20a116f523121f4f8" ns2:_="">
     <xsd:import namespace="688f81b3-add1-4848-9903-9e79280bdbc2"/>
@@ -14375,15 +14384,6 @@
 </ct:contentTypeSchema>
 </file>
 
-<file path=customXml/item2.xml><?xml version="1.0" encoding="utf-8"?>
-<?mso-contentType ?>
-<FormTemplates xmlns="http://schemas.microsoft.com/sharepoint/v3/contenttype/forms">
-  <Display>DocumentLibraryForm</Display>
-  <Edit>DocumentLibraryForm</Edit>
-  <New>DocumentLibraryForm</New>
-</FormTemplates>
-</file>
-
 <file path=customXml/item3.xml><?xml version="1.0" encoding="utf-8"?>
 <p:properties xmlns:p="http://schemas.microsoft.com/office/2006/metadata/properties" xmlns:xsi="http://www.w3.org/2001/XMLSchema-instance" xmlns:pc="http://schemas.microsoft.com/office/infopath/2007/PartnerControls">
   <documentManagement/>
@@ -14391,6 +14391,14 @@
 </file>
 
 <file path=customXml/itemProps1.xml><?xml version="1.0" encoding="utf-8"?>
+<ds:datastoreItem xmlns:ds="http://schemas.openxmlformats.org/officeDocument/2006/customXml" ds:itemID="{8129816E-A34A-478F-BB60-AA115C97BCCA}">
+  <ds:schemaRefs>
+    <ds:schemaRef ds:uri="http://schemas.microsoft.com/sharepoint/v3/contenttype/forms"/>
+  </ds:schemaRefs>
+</ds:datastoreItem>
+</file>
+
+<file path=customXml/itemProps2.xml><?xml version="1.0" encoding="utf-8"?>
 <ds:datastoreItem xmlns:ds="http://schemas.openxmlformats.org/officeDocument/2006/customXml" ds:itemID="{345B7BB3-E76E-4AF0-925F-98C0CCE548AB}">
   <ds:schemaRefs>
     <ds:schemaRef ds:uri="http://schemas.microsoft.com/office/2006/metadata/contentType"/>
@@ -14404,14 +14412,6 @@
     <ds:schemaRef ds:uri="http://purl.org/dc/elements/1.1/"/>
     <ds:schemaRef ds:uri="http://purl.org/dc/terms/"/>
     <ds:schemaRef ds:uri="http://schemas.microsoft.com/internal/obd"/>
-  </ds:schemaRefs>
-</ds:datastoreItem>
-</file>
-
-<file path=customXml/itemProps2.xml><?xml version="1.0" encoding="utf-8"?>
-<ds:datastoreItem xmlns:ds="http://schemas.openxmlformats.org/officeDocument/2006/customXml" ds:itemID="{8129816E-A34A-478F-BB60-AA115C97BCCA}">
-  <ds:schemaRefs>
-    <ds:schemaRef ds:uri="http://schemas.microsoft.com/sharepoint/v3/contenttype/forms"/>
   </ds:schemaRefs>
 </ds:datastoreItem>
 </file>

--- a/Presentation1.pptx
+++ b/Presentation1.pptx
@@ -5,36 +5,41 @@
     <p:sldMasterId id="2147483648" r:id="rId4"/>
   </p:sldMasterIdLst>
   <p:notesMasterIdLst>
-    <p:notesMasterId r:id="rId13"/>
+    <p:notesMasterId r:id="rId14"/>
   </p:notesMasterIdLst>
   <p:sldIdLst>
     <p:sldId id="397" r:id="rId5"/>
-    <p:sldId id="377" r:id="rId6"/>
-    <p:sldId id="330" r:id="rId7"/>
-    <p:sldId id="259" r:id="rId8"/>
-    <p:sldId id="413" r:id="rId9"/>
-    <p:sldId id="414" r:id="rId10"/>
-    <p:sldId id="404" r:id="rId11"/>
-    <p:sldId id="325" r:id="rId12"/>
+    <p:sldId id="415" r:id="rId6"/>
+    <p:sldId id="377" r:id="rId7"/>
+    <p:sldId id="330" r:id="rId8"/>
+    <p:sldId id="259" r:id="rId9"/>
+    <p:sldId id="413" r:id="rId10"/>
+    <p:sldId id="414" r:id="rId11"/>
+    <p:sldId id="404" r:id="rId12"/>
+    <p:sldId id="325" r:id="rId13"/>
   </p:sldIdLst>
   <p:sldSz cx="12192000" cy="6858000"/>
   <p:notesSz cx="6858000" cy="9144000"/>
   <p:embeddedFontLst>
     <p:embeddedFont>
       <p:font typeface="Slalom Sans" pitchFamily="2" charset="77"/>
-      <p:regular r:id="rId14"/>
+      <p:regular r:id="rId15"/>
     </p:embeddedFont>
     <p:embeddedFont>
       <p:font typeface="Slalom Sans Bold" pitchFamily="2" charset="77"/>
-      <p:bold r:id="rId15"/>
+      <p:bold r:id="rId16"/>
     </p:embeddedFont>
     <p:embeddedFont>
       <p:font typeface="Slalom Sans Light" pitchFamily="2" charset="77"/>
-      <p:regular r:id="rId16"/>
+      <p:regular r:id="rId17"/>
+    </p:embeddedFont>
+    <p:embeddedFont>
+      <p:font typeface="Slalom Sans Light Italic" pitchFamily="2" charset="77"/>
+      <p:italic r:id="rId18"/>
     </p:embeddedFont>
     <p:embeddedFont>
       <p:font typeface="SlalomSans-Light" pitchFamily="2" charset="77"/>
-      <p:regular r:id="rId17"/>
+      <p:regular r:id="rId19"/>
     </p:embeddedFont>
   </p:embeddedFontLst>
   <p:defaultTextStyle>
@@ -138,6 +143,7 @@
         <p14:section name="HOW TO USE" id="{32560B7E-5C9A-4B6D-A024-DB7C70BA23CC}">
           <p14:sldIdLst>
             <p14:sldId id="397"/>
+            <p14:sldId id="415"/>
             <p14:sldId id="377"/>
             <p14:sldId id="330"/>
           </p14:sldIdLst>
@@ -299,7 +305,7 @@
             <a:fld id="{8F5E64C8-9D9E-4CF5-AA89-8B029B5028BE}" type="datetimeFigureOut">
               <a:rPr lang="en-GB" smtClean="0"/>
               <a:pPr/>
-              <a:t>10/11/2021</a:t>
+              <a:t>11/11/2021</a:t>
             </a:fld>
             <a:endParaRPr lang="en-GB" dirty="0"/>
           </a:p>
@@ -637,7 +643,7 @@
           <a:p>
             <a:fld id="{C808EFC2-4632-4E01-92E9-1642575513B6}" type="slidenum">
               <a:rPr lang="en-GB" smtClean="0"/>
-              <a:t>2</a:t>
+              <a:t>3</a:t>
             </a:fld>
             <a:endParaRPr lang="en-GB"/>
           </a:p>
@@ -721,7 +727,7 @@
           <a:p>
             <a:fld id="{C808EFC2-4632-4E01-92E9-1642575513B6}" type="slidenum">
               <a:rPr lang="en-GB" smtClean="0"/>
-              <a:t>3</a:t>
+              <a:t>4</a:t>
             </a:fld>
             <a:endParaRPr lang="en-GB"/>
           </a:p>
@@ -774,7 +780,7 @@
           <a:p>
             <a:fld id="{DB7EE005-9238-4EDB-8632-E512DDF58CAA}" type="datetime1">
               <a:rPr lang="en-GB" smtClean="0"/>
-              <a:t>10/11/2021</a:t>
+              <a:t>11/11/2021</a:t>
             </a:fld>
             <a:endParaRPr lang="en-GB"/>
           </a:p>
@@ -921,7 +927,7 @@
           <a:p>
             <a:fld id="{4552F92F-1A4C-4811-A2F0-0FC9FC2DF3E9}" type="datetime1">
               <a:rPr lang="en-GB" smtClean="0"/>
-              <a:t>10/11/2021</a:t>
+              <a:t>11/11/2021</a:t>
             </a:fld>
             <a:endParaRPr lang="en-GB"/>
           </a:p>
@@ -1024,7 +1030,7 @@
           <a:p>
             <a:fld id="{4552F92F-1A4C-4811-A2F0-0FC9FC2DF3E9}" type="datetime1">
               <a:rPr lang="en-GB" smtClean="0"/>
-              <a:t>10/11/2021</a:t>
+              <a:t>11/11/2021</a:t>
             </a:fld>
             <a:endParaRPr lang="en-GB"/>
           </a:p>
@@ -1168,7 +1174,7 @@
           <a:p>
             <a:fld id="{F6EF39B3-04F5-42A6-A55F-73F9A76E46F8}" type="datetime1">
               <a:rPr lang="en-GB" smtClean="0"/>
-              <a:t>10/11/2021</a:t>
+              <a:t>11/11/2021</a:t>
             </a:fld>
             <a:endParaRPr lang="en-GB"/>
           </a:p>
@@ -1321,7 +1327,7 @@
           <a:p>
             <a:fld id="{F6EF39B3-04F5-42A6-A55F-73F9A76E46F8}" type="datetime1">
               <a:rPr lang="en-GB" smtClean="0"/>
-              <a:t>10/11/2021</a:t>
+              <a:t>11/11/2021</a:t>
             </a:fld>
             <a:endParaRPr lang="en-GB"/>
           </a:p>
@@ -2478,7 +2484,7 @@
           <a:p>
             <a:fld id="{DB7EE005-9238-4EDB-8632-E512DDF58CAA}" type="datetime1">
               <a:rPr lang="en-GB" smtClean="0"/>
-              <a:t>10/11/2021</a:t>
+              <a:t>11/11/2021</a:t>
             </a:fld>
             <a:endParaRPr lang="en-GB"/>
           </a:p>
@@ -2795,7 +2801,7 @@
           <a:p>
             <a:fld id="{DB7EE005-9238-4EDB-8632-E512DDF58CAA}" type="datetime1">
               <a:rPr lang="en-GB" smtClean="0"/>
-              <a:t>10/11/2021</a:t>
+              <a:t>11/11/2021</a:t>
             </a:fld>
             <a:endParaRPr lang="en-GB"/>
           </a:p>
@@ -2988,7 +2994,7 @@
           <a:p>
             <a:fld id="{DB7EE005-9238-4EDB-8632-E512DDF58CAA}" type="datetime1">
               <a:rPr lang="en-GB" smtClean="0"/>
-              <a:t>10/11/2021</a:t>
+              <a:t>11/11/2021</a:t>
             </a:fld>
             <a:endParaRPr lang="en-GB"/>
           </a:p>
@@ -3265,7 +3271,7 @@
           <a:p>
             <a:fld id="{F6EF39B3-04F5-42A6-A55F-73F9A76E46F8}" type="datetime1">
               <a:rPr lang="en-GB" smtClean="0"/>
-              <a:t>10/11/2021</a:t>
+              <a:t>11/11/2021</a:t>
             </a:fld>
             <a:endParaRPr lang="en-GB"/>
           </a:p>
@@ -3399,7 +3405,7 @@
           <a:p>
             <a:fld id="{F6EF39B3-04F5-42A6-A55F-73F9A76E46F8}" type="datetime1">
               <a:rPr lang="en-GB" smtClean="0"/>
-              <a:t>10/11/2021</a:t>
+              <a:t>11/11/2021</a:t>
             </a:fld>
             <a:endParaRPr lang="en-GB"/>
           </a:p>
@@ -3743,7 +3749,7 @@
           <a:p>
             <a:fld id="{F6EF39B3-04F5-42A6-A55F-73F9A76E46F8}" type="datetime1">
               <a:rPr lang="en-GB" smtClean="0"/>
-              <a:t>10/11/2021</a:t>
+              <a:t>11/11/2021</a:t>
             </a:fld>
             <a:endParaRPr lang="en-GB"/>
           </a:p>
@@ -3894,7 +3900,7 @@
             <a:fld id="{F6DCCAE5-81E0-4F95-BC28-74328FF60048}" type="datetime1">
               <a:rPr lang="en-GB" smtClean="0"/>
               <a:pPr/>
-              <a:t>10/11/2021</a:t>
+              <a:t>11/11/2021</a:t>
             </a:fld>
             <a:endParaRPr lang="en-GB"/>
           </a:p>
@@ -4056,7 +4062,7 @@
           <a:p>
             <a:fld id="{F6EF39B3-04F5-42A6-A55F-73F9A76E46F8}" type="datetime1">
               <a:rPr lang="en-GB" smtClean="0"/>
-              <a:t>10/11/2021</a:t>
+              <a:t>11/11/2021</a:t>
             </a:fld>
             <a:endParaRPr lang="en-GB"/>
           </a:p>
@@ -4237,7 +4243,7 @@
           <a:p>
             <a:fld id="{1D8BD707-D9CF-40AE-B4C6-C98DA3205C09}" type="datetimeFigureOut">
               <a:rPr lang="en-US"/>
-              <a:t>11/10/21</a:t>
+              <a:t>11/11/21</a:t>
             </a:fld>
             <a:endParaRPr lang="en-US"/>
           </a:p>
@@ -4459,7 +4465,7 @@
           <a:p>
             <a:fld id="{1D8BD707-D9CF-40AE-B4C6-C98DA3205C09}" type="datetimeFigureOut">
               <a:rPr lang="en-US"/>
-              <a:t>11/10/21</a:t>
+              <a:t>11/11/21</a:t>
             </a:fld>
             <a:endParaRPr lang="en-US"/>
           </a:p>
@@ -4544,7 +4550,7 @@
           <a:p>
             <a:fld id="{DB7EE005-9238-4EDB-8632-E512DDF58CAA}" type="datetime1">
               <a:rPr lang="en-GB" smtClean="0"/>
-              <a:t>10/11/2021</a:t>
+              <a:t>11/11/2021</a:t>
             </a:fld>
             <a:endParaRPr lang="en-GB"/>
           </a:p>
@@ -4696,7 +4702,7 @@
             <a:fld id="{F6DCCAE5-81E0-4F95-BC28-74328FF60048}" type="datetime1">
               <a:rPr lang="en-GB" smtClean="0"/>
               <a:pPr/>
-              <a:t>10/11/2021</a:t>
+              <a:t>11/11/2021</a:t>
             </a:fld>
             <a:endParaRPr lang="en-GB"/>
           </a:p>
@@ -4886,7 +4892,7 @@
           <a:p>
             <a:fld id="{DB7EE005-9238-4EDB-8632-E512DDF58CAA}" type="datetime1">
               <a:rPr lang="en-GB" smtClean="0"/>
-              <a:t>10/11/2021</a:t>
+              <a:t>11/11/2021</a:t>
             </a:fld>
             <a:endParaRPr lang="en-GB"/>
           </a:p>
@@ -5006,7 +5012,7 @@
             <a:fld id="{F6DCCAE5-81E0-4F95-BC28-74328FF60048}" type="datetime1">
               <a:rPr lang="en-GB" smtClean="0"/>
               <a:pPr/>
-              <a:t>10/11/2021</a:t>
+              <a:t>11/11/2021</a:t>
             </a:fld>
             <a:endParaRPr lang="en-GB"/>
           </a:p>
@@ -5221,7 +5227,7 @@
           <a:p>
             <a:fld id="{F6EF39B3-04F5-42A6-A55F-73F9A76E46F8}" type="datetime1">
               <a:rPr lang="en-GB" smtClean="0"/>
-              <a:t>10/11/2021</a:t>
+              <a:t>11/11/2021</a:t>
             </a:fld>
             <a:endParaRPr lang="en-GB"/>
           </a:p>
@@ -5413,7 +5419,7 @@
           <a:p>
             <a:fld id="{4552F92F-1A4C-4811-A2F0-0FC9FC2DF3E9}" type="datetime1">
               <a:rPr lang="en-GB" smtClean="0"/>
-              <a:t>10/11/2021</a:t>
+              <a:t>11/11/2021</a:t>
             </a:fld>
             <a:endParaRPr lang="en-GB"/>
           </a:p>
@@ -5552,7 +5558,7 @@
           <a:p>
             <a:fld id="{4552F92F-1A4C-4811-A2F0-0FC9FC2DF3E9}" type="datetime1">
               <a:rPr lang="en-GB" smtClean="0"/>
-              <a:t>10/11/2021</a:t>
+              <a:t>11/11/2021</a:t>
             </a:fld>
             <a:endParaRPr lang="en-GB"/>
           </a:p>
@@ -5803,7 +5809,7 @@
           <a:p>
             <a:fld id="{F6EF39B3-04F5-42A6-A55F-73F9A76E46F8}" type="datetime1">
               <a:rPr lang="en-GB" smtClean="0"/>
-              <a:t>10/11/2021</a:t>
+              <a:t>11/11/2021</a:t>
             </a:fld>
             <a:endParaRPr lang="en-GB"/>
           </a:p>
@@ -6556,7 +6562,7 @@
         <p:spPr>
           <a:xfrm>
             <a:off x="601741" y="836634"/>
-            <a:ext cx="7130318" cy="3022672"/>
+            <a:ext cx="9082086" cy="3022672"/>
           </a:xfrm>
           <a:prstGeom prst="rect">
             <a:avLst/>
@@ -6597,7 +6603,7 @@
                   <a:schemeClr val="bg1"/>
                 </a:solidFill>
               </a:rPr>
-              <a:t>CI/CD – A better process </a:t>
+              <a:t>CI/CD – A better way </a:t>
             </a:r>
           </a:p>
         </p:txBody>
@@ -6670,10 +6676,39 @@
       </p:grpSpPr>
       <p:sp>
         <p:nvSpPr>
+          <p:cNvPr id="2" name="Footer Placeholder 1">
+            <a:extLst>
+              <a:ext uri="{FF2B5EF4-FFF2-40B4-BE49-F238E27FC236}">
+                <a16:creationId xmlns:a16="http://schemas.microsoft.com/office/drawing/2014/main" id="{DA4AE22D-3E81-6148-8A0D-4773C3E1A8BF}"/>
+              </a:ext>
+            </a:extLst>
+          </p:cNvPr>
+          <p:cNvSpPr>
+            <a:spLocks noGrp="1"/>
+          </p:cNvSpPr>
+          <p:nvPr>
+            <p:ph type="ftr" sz="quarter" idx="11"/>
+          </p:nvPr>
+        </p:nvSpPr>
+        <p:spPr/>
+        <p:txBody>
+          <a:bodyPr/>
+          <a:lstStyle/>
+          <a:p>
+            <a:r>
+              <a:rPr lang="en-US"/>
+              <a:t>© SLALOM. ALL RIGHTS RESERVED. PROPRIETARY AND CONFIDENTIAL.</a:t>
+            </a:r>
+            <a:endParaRPr lang="en-US" dirty="0"/>
+          </a:p>
+        </p:txBody>
+      </p:sp>
+      <p:sp>
+        <p:nvSpPr>
           <p:cNvPr id="3" name="Slide Number Placeholder 2">
             <a:extLst>
               <a:ext uri="{FF2B5EF4-FFF2-40B4-BE49-F238E27FC236}">
-                <a16:creationId xmlns:a16="http://schemas.microsoft.com/office/drawing/2014/main" id="{A0EB6E26-8E08-1E42-95A8-8C3B6D0179DD}"/>
+                <a16:creationId xmlns:a16="http://schemas.microsoft.com/office/drawing/2014/main" id="{489279E0-65A3-4A41-90D4-B78221DCEBA9}"/>
               </a:ext>
             </a:extLst>
           </p:cNvPr>
@@ -6699,10 +6734,70 @@
       </p:sp>
       <p:sp>
         <p:nvSpPr>
-          <p:cNvPr id="12" name="object 2">
-            <a:extLst>
-              <a:ext uri="{FF2B5EF4-FFF2-40B4-BE49-F238E27FC236}">
-                <a16:creationId xmlns:a16="http://schemas.microsoft.com/office/drawing/2014/main" id="{710E9DC8-2183-C44F-AEC0-4C5CC85BA8ED}"/>
+          <p:cNvPr id="4" name="TextBox 3">
+            <a:extLst>
+              <a:ext uri="{FF2B5EF4-FFF2-40B4-BE49-F238E27FC236}">
+                <a16:creationId xmlns:a16="http://schemas.microsoft.com/office/drawing/2014/main" id="{E1BC9009-A8D0-AE42-B5F2-56531E042414}"/>
+              </a:ext>
+            </a:extLst>
+          </p:cNvPr>
+          <p:cNvSpPr txBox="1"/>
+          <p:nvPr/>
+        </p:nvSpPr>
+        <p:spPr>
+          <a:xfrm>
+            <a:off x="368527" y="1753277"/>
+            <a:ext cx="11022914" cy="3522134"/>
+          </a:xfrm>
+          <a:prstGeom prst="rect">
+            <a:avLst/>
+          </a:prstGeom>
+          <a:noFill/>
+        </p:spPr>
+        <p:txBody>
+          <a:bodyPr wrap="square" lIns="0" rtlCol="0">
+            <a:noAutofit/>
+          </a:bodyPr>
+          <a:lstStyle/>
+          <a:p>
+            <a:r>
+              <a:rPr lang="en-US" sz="2400" dirty="0">
+                <a:latin typeface="Slalom Sans Light" panose="00000400000000000000" pitchFamily="50" charset="0"/>
+              </a:rPr>
+              <a:t>As UdaPeople’s  revolutionary human resource product continues it’s journey to the cloud for innovation and agility, the client is looking for support to rationalize their portfolio of applications in order to help determine the feasibility, total cost of ownership and cost of migrating to AWS. </a:t>
+            </a:r>
+          </a:p>
+          <a:p>
+            <a:endParaRPr lang="en-US" sz="2400" dirty="0">
+              <a:latin typeface="Slalom Sans Light" panose="00000400000000000000" pitchFamily="50" charset="0"/>
+            </a:endParaRPr>
+          </a:p>
+          <a:p>
+            <a:r>
+              <a:rPr lang="en-US" sz="2400" dirty="0">
+                <a:latin typeface="Slalom Sans Light" panose="00000400000000000000" pitchFamily="50" charset="0"/>
+              </a:rPr>
+              <a:t>Since the client wants to leverage industry best practices to design and implement the foundation and operating model, CI/CD is the best way to accelerate this transformation and service delivery. The process of Continuous Integration and Continuous Delivery is best suited for this production since it fulfills the customer demands with minimal overhead in terms of number of errors or time to market. </a:t>
+            </a:r>
+          </a:p>
+          <a:p>
+            <a:endParaRPr lang="en-US" sz="2400" dirty="0">
+              <a:latin typeface="Slalom Sans Light" panose="00000400000000000000" pitchFamily="50" charset="0"/>
+            </a:endParaRPr>
+          </a:p>
+          <a:p>
+            <a:endParaRPr lang="en-US" sz="2400" dirty="0">
+              <a:latin typeface="Slalom Sans Light" panose="00000400000000000000" pitchFamily="50" charset="0"/>
+            </a:endParaRPr>
+          </a:p>
+        </p:txBody>
+      </p:sp>
+      <p:sp>
+        <p:nvSpPr>
+          <p:cNvPr id="6" name="object 2">
+            <a:extLst>
+              <a:ext uri="{FF2B5EF4-FFF2-40B4-BE49-F238E27FC236}">
+                <a16:creationId xmlns:a16="http://schemas.microsoft.com/office/drawing/2014/main" id="{0A9AD9E1-0F28-BC44-BCD9-7D08BCE7F90C}"/>
               </a:ext>
             </a:extLst>
           </p:cNvPr>
@@ -6713,7 +6808,7 @@
         </p:nvSpPr>
         <p:spPr>
           <a:xfrm>
-            <a:off x="383081" y="826837"/>
+            <a:off x="269374" y="620881"/>
             <a:ext cx="8706851" cy="853772"/>
           </a:xfrm>
           <a:prstGeom prst="rect">
@@ -6755,10 +6850,18 @@
             <a:r>
               <a:rPr lang="en-GB" sz="5500" spc="-158" dirty="0">
                 <a:solidFill>
+                  <a:schemeClr val="accent1"/>
+                </a:solidFill>
+              </a:rPr>
+              <a:t>Our</a:t>
+            </a:r>
+            <a:r>
+              <a:rPr lang="en-GB" sz="5500" spc="-158" dirty="0">
+                <a:solidFill>
                   <a:schemeClr val="tx1"/>
                 </a:solidFill>
               </a:rPr>
-              <a:t>Continuous Integration </a:t>
+              <a:t> Understanding</a:t>
             </a:r>
             <a:endParaRPr lang="en-GB" sz="5500" spc="-164" dirty="0">
               <a:solidFill>
@@ -6768,93 +6871,10 @@
           </a:p>
         </p:txBody>
       </p:sp>
-      <p:sp>
-        <p:nvSpPr>
-          <p:cNvPr id="13" name="Footer Placeholder 1">
-            <a:extLst>
-              <a:ext uri="{FF2B5EF4-FFF2-40B4-BE49-F238E27FC236}">
-                <a16:creationId xmlns:a16="http://schemas.microsoft.com/office/drawing/2014/main" id="{17C04ED9-A3C0-A34B-82CC-FB91E416FE70}"/>
-              </a:ext>
-            </a:extLst>
-          </p:cNvPr>
-          <p:cNvSpPr>
-            <a:spLocks noGrp="1"/>
-          </p:cNvSpPr>
-          <p:nvPr>
-            <p:ph type="ftr" sz="quarter" idx="11"/>
-          </p:nvPr>
-        </p:nvSpPr>
-        <p:spPr>
-          <a:xfrm>
-            <a:off x="609600" y="6330689"/>
-            <a:ext cx="4013200" cy="365125"/>
-          </a:xfrm>
-        </p:spPr>
-        <p:txBody>
-          <a:bodyPr/>
-          <a:lstStyle/>
-          <a:p>
-            <a:r>
-              <a:rPr lang="en-US" dirty="0"/>
-              <a:t>© 2021 Slalom, LLC CONFIDENTIAL &amp; PROPRIETARY</a:t>
-            </a:r>
-          </a:p>
-        </p:txBody>
-      </p:sp>
-      <p:sp>
-        <p:nvSpPr>
-          <p:cNvPr id="5" name="TextBox 4">
-            <a:extLst>
-              <a:ext uri="{FF2B5EF4-FFF2-40B4-BE49-F238E27FC236}">
-                <a16:creationId xmlns:a16="http://schemas.microsoft.com/office/drawing/2014/main" id="{8B0ACA20-BC2D-0445-90AB-100678083CE0}"/>
-              </a:ext>
-            </a:extLst>
-          </p:cNvPr>
-          <p:cNvSpPr txBox="1"/>
-          <p:nvPr/>
-        </p:nvSpPr>
-        <p:spPr>
-          <a:xfrm>
-            <a:off x="770965" y="2617694"/>
-            <a:ext cx="10327341" cy="2868706"/>
-          </a:xfrm>
-          <a:prstGeom prst="rect">
-            <a:avLst/>
-          </a:prstGeom>
-          <a:noFill/>
-        </p:spPr>
-        <p:txBody>
-          <a:bodyPr wrap="square" lIns="0" rtlCol="0">
-            <a:noAutofit/>
-          </a:bodyPr>
-          <a:lstStyle/>
-          <a:p>
-            <a:r>
-              <a:rPr lang="en-US" sz="2400" dirty="0">
-                <a:latin typeface="Slalom Sans Light" panose="00000400000000000000" pitchFamily="50" charset="0"/>
-              </a:rPr>
-              <a:t>The practice of merging all developers’ working copies to a shared mainline several times to avoid conflicts in the code. It’s an important step to ensure that the code we have is a high quality, deployable artifact.</a:t>
-            </a:r>
-          </a:p>
-          <a:p>
-            <a:endParaRPr lang="en-US" sz="2400" dirty="0">
-              <a:latin typeface="Slalom Sans Light" panose="00000400000000000000" pitchFamily="50" charset="0"/>
-            </a:endParaRPr>
-          </a:p>
-          <a:p>
-            <a:r>
-              <a:rPr lang="en-US" sz="2400" dirty="0">
-                <a:latin typeface="Slalom Sans Light" panose="00000400000000000000" pitchFamily="50" charset="0"/>
-              </a:rPr>
-              <a:t>Some of the steps in this stage include: compiling, testing, running static analysis, checking for vulnerabilities in dependencies and storing code artifacts</a:t>
-            </a:r>
-          </a:p>
-        </p:txBody>
-      </p:sp>
     </p:spTree>
     <p:extLst>
       <p:ext uri="{BB962C8B-B14F-4D97-AF65-F5344CB8AC3E}">
-        <p14:creationId xmlns:p14="http://schemas.microsoft.com/office/powerpoint/2010/main" val="2981195276"/>
+        <p14:creationId xmlns:p14="http://schemas.microsoft.com/office/powerpoint/2010/main" val="3832331903"/>
       </p:ext>
     </p:extLst>
   </p:cSld>
@@ -6883,10 +6903,39 @@
       </p:grpSpPr>
       <p:sp>
         <p:nvSpPr>
-          <p:cNvPr id="4" name="object 2">
-            <a:extLst>
-              <a:ext uri="{FF2B5EF4-FFF2-40B4-BE49-F238E27FC236}">
-                <a16:creationId xmlns:a16="http://schemas.microsoft.com/office/drawing/2014/main" id="{3D48F523-EBF1-1B4C-85F4-3A4B2167976D}"/>
+          <p:cNvPr id="3" name="Slide Number Placeholder 2">
+            <a:extLst>
+              <a:ext uri="{FF2B5EF4-FFF2-40B4-BE49-F238E27FC236}">
+                <a16:creationId xmlns:a16="http://schemas.microsoft.com/office/drawing/2014/main" id="{A0EB6E26-8E08-1E42-95A8-8C3B6D0179DD}"/>
+              </a:ext>
+            </a:extLst>
+          </p:cNvPr>
+          <p:cNvSpPr>
+            <a:spLocks noGrp="1"/>
+          </p:cNvSpPr>
+          <p:nvPr>
+            <p:ph type="sldNum" sz="quarter" idx="12"/>
+          </p:nvPr>
+        </p:nvSpPr>
+        <p:spPr/>
+        <p:txBody>
+          <a:bodyPr/>
+          <a:lstStyle/>
+          <a:p>
+            <a:fld id="{D89D76C3-A5A9-4168-BE2E-6A3D1757D92E}" type="slidenum">
+              <a:rPr lang="en-GB" smtClean="0"/>
+              <a:t>3</a:t>
+            </a:fld>
+            <a:endParaRPr lang="en-GB"/>
+          </a:p>
+        </p:txBody>
+      </p:sp>
+      <p:sp>
+        <p:nvSpPr>
+          <p:cNvPr id="12" name="object 2">
+            <a:extLst>
+              <a:ext uri="{FF2B5EF4-FFF2-40B4-BE49-F238E27FC236}">
+                <a16:creationId xmlns:a16="http://schemas.microsoft.com/office/drawing/2014/main" id="{710E9DC8-2183-C44F-AEC0-4C5CC85BA8ED}"/>
               </a:ext>
             </a:extLst>
           </p:cNvPr>
@@ -6897,7 +6946,7 @@
         </p:nvSpPr>
         <p:spPr>
           <a:xfrm>
-            <a:off x="601741" y="1204524"/>
+            <a:off x="383081" y="826837"/>
             <a:ext cx="8706851" cy="853772"/>
           </a:xfrm>
           <a:prstGeom prst="rect">
@@ -6939,6 +6988,214 @@
             <a:r>
               <a:rPr lang="en-GB" sz="5500" spc="-158" dirty="0">
                 <a:solidFill>
+                  <a:schemeClr val="tx1"/>
+                </a:solidFill>
+              </a:rPr>
+              <a:t>Continuous Integration </a:t>
+            </a:r>
+            <a:endParaRPr lang="en-GB" sz="5500" spc="-164" dirty="0">
+              <a:solidFill>
+                <a:schemeClr val="tx1"/>
+              </a:solidFill>
+            </a:endParaRPr>
+          </a:p>
+        </p:txBody>
+      </p:sp>
+      <p:sp>
+        <p:nvSpPr>
+          <p:cNvPr id="13" name="Footer Placeholder 1">
+            <a:extLst>
+              <a:ext uri="{FF2B5EF4-FFF2-40B4-BE49-F238E27FC236}">
+                <a16:creationId xmlns:a16="http://schemas.microsoft.com/office/drawing/2014/main" id="{17C04ED9-A3C0-A34B-82CC-FB91E416FE70}"/>
+              </a:ext>
+            </a:extLst>
+          </p:cNvPr>
+          <p:cNvSpPr>
+            <a:spLocks noGrp="1"/>
+          </p:cNvSpPr>
+          <p:nvPr>
+            <p:ph type="ftr" sz="quarter" idx="11"/>
+          </p:nvPr>
+        </p:nvSpPr>
+        <p:spPr>
+          <a:xfrm>
+            <a:off x="609600" y="6330689"/>
+            <a:ext cx="4013200" cy="365125"/>
+          </a:xfrm>
+        </p:spPr>
+        <p:txBody>
+          <a:bodyPr/>
+          <a:lstStyle/>
+          <a:p>
+            <a:r>
+              <a:rPr lang="en-US" dirty="0"/>
+              <a:t>© 2021 Slalom, LLC CONFIDENTIAL &amp; PROPRIETARY</a:t>
+            </a:r>
+          </a:p>
+        </p:txBody>
+      </p:sp>
+      <p:sp>
+        <p:nvSpPr>
+          <p:cNvPr id="5" name="TextBox 4">
+            <a:extLst>
+              <a:ext uri="{FF2B5EF4-FFF2-40B4-BE49-F238E27FC236}">
+                <a16:creationId xmlns:a16="http://schemas.microsoft.com/office/drawing/2014/main" id="{8B0ACA20-BC2D-0445-90AB-100678083CE0}"/>
+              </a:ext>
+            </a:extLst>
+          </p:cNvPr>
+          <p:cNvSpPr txBox="1"/>
+          <p:nvPr/>
+        </p:nvSpPr>
+        <p:spPr>
+          <a:xfrm>
+            <a:off x="932329" y="2200005"/>
+            <a:ext cx="10327341" cy="2868706"/>
+          </a:xfrm>
+          <a:prstGeom prst="rect">
+            <a:avLst/>
+          </a:prstGeom>
+          <a:noFill/>
+        </p:spPr>
+        <p:txBody>
+          <a:bodyPr wrap="square" lIns="0" rtlCol="0">
+            <a:noAutofit/>
+          </a:bodyPr>
+          <a:lstStyle/>
+          <a:p>
+            <a:r>
+              <a:rPr lang="en-US" sz="2400" dirty="0">
+                <a:latin typeface="Slalom Sans Light" panose="00000400000000000000" pitchFamily="50" charset="0"/>
+              </a:rPr>
+              <a:t>The practice of merging all developers’ working copies to a shared mainline several times to </a:t>
+            </a:r>
+            <a:r>
+              <a:rPr lang="en-US" sz="2400" b="1" dirty="0">
+                <a:latin typeface="Slalom Sans Light Italic" panose="00000400000000000000" pitchFamily="50" charset="0"/>
+              </a:rPr>
+              <a:t>avoid conflicts </a:t>
+            </a:r>
+            <a:r>
+              <a:rPr lang="en-US" sz="2400" dirty="0">
+                <a:latin typeface="Slalom Sans Light" panose="00000400000000000000" pitchFamily="50" charset="0"/>
+              </a:rPr>
+              <a:t>in the code. It’s an important step to ensure that the code we have is a </a:t>
+            </a:r>
+            <a:r>
+              <a:rPr lang="en-US" sz="2400" b="1" dirty="0">
+                <a:latin typeface="Slalom Sans Light Italic" panose="00000400000000000000" pitchFamily="50" charset="0"/>
+              </a:rPr>
+              <a:t>high quality, deployable artifact</a:t>
+            </a:r>
+            <a:r>
+              <a:rPr lang="en-US" sz="2400" dirty="0">
+                <a:latin typeface="Slalom Sans Light" panose="00000400000000000000" pitchFamily="50" charset="0"/>
+              </a:rPr>
+              <a:t>.</a:t>
+            </a:r>
+          </a:p>
+          <a:p>
+            <a:endParaRPr lang="en-US" sz="2400" dirty="0">
+              <a:latin typeface="Slalom Sans Light" panose="00000400000000000000" pitchFamily="50" charset="0"/>
+            </a:endParaRPr>
+          </a:p>
+          <a:p>
+            <a:r>
+              <a:rPr lang="en-US" sz="2400" dirty="0">
+                <a:latin typeface="Slalom Sans Light" panose="00000400000000000000" pitchFamily="50" charset="0"/>
+              </a:rPr>
+              <a:t>Some of the steps in this stage include: compiling, testing, running static analysis, checking for vulnerabilities in dependencies and storing code artifacts</a:t>
+            </a:r>
+          </a:p>
+        </p:txBody>
+      </p:sp>
+    </p:spTree>
+    <p:extLst>
+      <p:ext uri="{BB962C8B-B14F-4D97-AF65-F5344CB8AC3E}">
+        <p14:creationId xmlns:p14="http://schemas.microsoft.com/office/powerpoint/2010/main" val="2981195276"/>
+      </p:ext>
+    </p:extLst>
+  </p:cSld>
+  <p:clrMapOvr>
+    <a:masterClrMapping/>
+  </p:clrMapOvr>
+</p:sld>
+</file>
+
+<file path=ppt/slides/slide4.xml><?xml version="1.0" encoding="utf-8"?>
+<p:sld xmlns:a="http://schemas.openxmlformats.org/drawingml/2006/main" xmlns:r="http://schemas.openxmlformats.org/officeDocument/2006/relationships" xmlns:p="http://schemas.openxmlformats.org/presentationml/2006/main">
+  <p:cSld>
+    <p:spTree>
+      <p:nvGrpSpPr>
+        <p:cNvPr id="1" name=""/>
+        <p:cNvGrpSpPr/>
+        <p:nvPr/>
+      </p:nvGrpSpPr>
+      <p:grpSpPr>
+        <a:xfrm>
+          <a:off x="0" y="0"/>
+          <a:ext cx="0" cy="0"/>
+          <a:chOff x="0" y="0"/>
+          <a:chExt cx="0" cy="0"/>
+        </a:xfrm>
+      </p:grpSpPr>
+      <p:sp>
+        <p:nvSpPr>
+          <p:cNvPr id="4" name="object 2">
+            <a:extLst>
+              <a:ext uri="{FF2B5EF4-FFF2-40B4-BE49-F238E27FC236}">
+                <a16:creationId xmlns:a16="http://schemas.microsoft.com/office/drawing/2014/main" id="{3D48F523-EBF1-1B4C-85F4-3A4B2167976D}"/>
+              </a:ext>
+            </a:extLst>
+          </p:cNvPr>
+          <p:cNvSpPr txBox="1">
+            <a:spLocks/>
+          </p:cNvSpPr>
+          <p:nvPr/>
+        </p:nvSpPr>
+        <p:spPr>
+          <a:xfrm>
+            <a:off x="601741" y="1204524"/>
+            <a:ext cx="8706851" cy="853772"/>
+          </a:xfrm>
+          <a:prstGeom prst="rect">
+            <a:avLst/>
+          </a:prstGeom>
+        </p:spPr>
+        <p:txBody>
+          <a:bodyPr vert="horz" wrap="square" lIns="0" tIns="7315" rIns="0" bIns="0" rtlCol="0">
+            <a:spAutoFit/>
+          </a:bodyPr>
+          <a:lstStyle>
+            <a:lvl1pPr algn="l" defTabSz="914400" rtl="0" eaLnBrk="1" latinLnBrk="0" hangingPunct="1">
+              <a:lnSpc>
+                <a:spcPct val="90000"/>
+              </a:lnSpc>
+              <a:spcBef>
+                <a:spcPct val="0"/>
+              </a:spcBef>
+              <a:buNone/>
+              <a:defRPr sz="4400" kern="1000" spc="-10" baseline="0">
+                <a:solidFill>
+                  <a:schemeClr val="accent2"/>
+                </a:solidFill>
+                <a:latin typeface="Slalom Sans Bold" panose="00000800000000000000" pitchFamily="50" charset="0"/>
+                <a:ea typeface="+mj-ea"/>
+                <a:cs typeface="+mj-cs"/>
+              </a:defRPr>
+            </a:lvl1pPr>
+          </a:lstStyle>
+          <a:p>
+            <a:pPr marL="7700" marR="16170">
+              <a:lnSpc>
+                <a:spcPct val="100200"/>
+              </a:lnSpc>
+              <a:spcBef>
+                <a:spcPts val="58"/>
+              </a:spcBef>
+            </a:pPr>
+            <a:r>
+              <a:rPr lang="en-GB" sz="5500" spc="-158" dirty="0">
+                <a:solidFill>
                   <a:schemeClr val="bg1"/>
                 </a:solidFill>
               </a:rPr>
@@ -7011,8 +7268,8 @@
         </p:nvSpPr>
         <p:spPr>
           <a:xfrm>
-            <a:off x="643964" y="2959971"/>
-            <a:ext cx="10614991" cy="2693505"/>
+            <a:off x="601741" y="2959971"/>
+            <a:ext cx="11016146" cy="2693505"/>
           </a:xfrm>
           <a:prstGeom prst="rect">
             <a:avLst/>
@@ -7032,7 +7289,61 @@
                 </a:solidFill>
                 <a:latin typeface="Slalom Sans Light" panose="00000400000000000000" pitchFamily="50" charset="0"/>
               </a:rPr>
-              <a:t>This is the process by which verified changes are deployed into production when they’re ready and without human input.</a:t>
+              <a:t>This is the process by which </a:t>
+            </a:r>
+            <a:r>
+              <a:rPr lang="en-US" sz="2400" b="1" dirty="0">
+                <a:solidFill>
+                  <a:schemeClr val="bg1"/>
+                </a:solidFill>
+                <a:latin typeface="Slalom Sans Light Italic" panose="00000400000000000000" pitchFamily="50" charset="0"/>
+              </a:rPr>
+              <a:t>verified changes </a:t>
+            </a:r>
+            <a:r>
+              <a:rPr lang="en-US" sz="2400" dirty="0">
+                <a:solidFill>
+                  <a:schemeClr val="bg1"/>
+                </a:solidFill>
+                <a:latin typeface="Slalom Sans Light" panose="00000400000000000000" pitchFamily="50" charset="0"/>
+              </a:rPr>
+              <a:t>are </a:t>
+            </a:r>
+            <a:r>
+              <a:rPr lang="en-US" sz="2400" b="1" dirty="0">
+                <a:solidFill>
+                  <a:schemeClr val="bg1"/>
+                </a:solidFill>
+                <a:latin typeface="Slalom Sans Light Italic" panose="00000400000000000000" pitchFamily="50" charset="0"/>
+              </a:rPr>
+              <a:t>deployed</a:t>
+            </a:r>
+            <a:r>
+              <a:rPr lang="en-US" sz="2400" dirty="0">
+                <a:solidFill>
+                  <a:schemeClr val="bg1"/>
+                </a:solidFill>
+                <a:latin typeface="Slalom Sans Light" panose="00000400000000000000" pitchFamily="50" charset="0"/>
+              </a:rPr>
+              <a:t> </a:t>
+            </a:r>
+            <a:r>
+              <a:rPr lang="en-US" sz="2400" b="1" dirty="0">
+                <a:solidFill>
+                  <a:schemeClr val="bg1"/>
+                </a:solidFill>
+                <a:latin typeface="Slalom Sans Light Italic" panose="00000400000000000000" pitchFamily="50" charset="0"/>
+              </a:rPr>
+              <a:t>into production</a:t>
+            </a:r>
+            <a:r>
+              <a:rPr lang="en-US" sz="2400" dirty="0">
+                <a:solidFill>
+                  <a:schemeClr val="bg1"/>
+                </a:solidFill>
+                <a:latin typeface="Slalom Sans Light" panose="00000400000000000000" pitchFamily="50" charset="0"/>
+              </a:rPr>
+              <a:t> when they’re ready and without human input.</a:t>
             </a:r>
           </a:p>
           <a:p>
@@ -7087,7 +7398,7 @@
 </p:sld>
 </file>
 
-<file path=ppt/slides/slide4.xml><?xml version="1.0" encoding="utf-8"?>
+<file path=ppt/slides/slide5.xml><?xml version="1.0" encoding="utf-8"?>
 <p:sld xmlns:a="http://schemas.openxmlformats.org/drawingml/2006/main" xmlns:r="http://schemas.openxmlformats.org/officeDocument/2006/relationships" xmlns:p="http://schemas.openxmlformats.org/presentationml/2006/main">
   <p:cSld>
     <p:spTree>
@@ -7122,102 +7433,9 @@
             <a:fld id="{D89D76C3-A5A9-4168-BE2E-6A3D1757D92E}" type="slidenum">
               <a:rPr lang="en-GB" smtClean="0"/>
               <a:pPr/>
-              <a:t>4</a:t>
+              <a:t>5</a:t>
             </a:fld>
             <a:endParaRPr lang="en-GB"/>
-          </a:p>
-        </p:txBody>
-      </p:sp>
-      <p:sp>
-        <p:nvSpPr>
-          <p:cNvPr id="12" name="Rectangle 11"/>
-          <p:cNvSpPr/>
-          <p:nvPr/>
-        </p:nvSpPr>
-        <p:spPr>
-          <a:xfrm>
-            <a:off x="12557760" y="0"/>
-            <a:ext cx="2819400" cy="762000"/>
-          </a:xfrm>
-          <a:prstGeom prst="rect">
-            <a:avLst/>
-          </a:prstGeom>
-          <a:solidFill>
-            <a:schemeClr val="accent5"/>
-          </a:solidFill>
-          <a:ln>
-            <a:noFill/>
-          </a:ln>
-        </p:spPr>
-        <p:style>
-          <a:lnRef idx="2">
-            <a:schemeClr val="accent1">
-              <a:shade val="50000"/>
-            </a:schemeClr>
-          </a:lnRef>
-          <a:fillRef idx="1">
-            <a:schemeClr val="accent1"/>
-          </a:fillRef>
-          <a:effectRef idx="0">
-            <a:schemeClr val="accent1"/>
-          </a:effectRef>
-          <a:fontRef idx="minor">
-            <a:schemeClr val="lt1"/>
-          </a:fontRef>
-        </p:style>
-        <p:txBody>
-          <a:bodyPr lIns="182880" tIns="182880" rIns="91440" rtlCol="0" anchor="t"/>
-          <a:lstStyle/>
-          <a:p>
-            <a:r>
-              <a:rPr lang="en-US">
-                <a:solidFill>
-                  <a:schemeClr val="accent2"/>
-                </a:solidFill>
-                <a:latin typeface="Slalom Sans Light" panose="00000400000000000000" pitchFamily="50" charset="0"/>
-              </a:rPr>
-              <a:t>Default shape</a:t>
-            </a:r>
-            <a:endParaRPr lang="en-GB">
-              <a:solidFill>
-                <a:schemeClr val="accent2"/>
-              </a:solidFill>
-              <a:latin typeface="Slalom Sans Light" panose="00000400000000000000" pitchFamily="50" charset="0"/>
-            </a:endParaRPr>
-          </a:p>
-        </p:txBody>
-      </p:sp>
-      <p:sp>
-        <p:nvSpPr>
-          <p:cNvPr id="13" name="TextBox 12"/>
-          <p:cNvSpPr txBox="1"/>
-          <p:nvPr/>
-        </p:nvSpPr>
-        <p:spPr>
-          <a:xfrm>
-            <a:off x="12527280" y="1249680"/>
-            <a:ext cx="2849880" cy="766763"/>
-          </a:xfrm>
-          <a:prstGeom prst="rect">
-            <a:avLst/>
-          </a:prstGeom>
-          <a:noFill/>
-        </p:spPr>
-        <p:txBody>
-          <a:bodyPr wrap="square" lIns="0" rtlCol="0">
-            <a:noAutofit/>
-          </a:bodyPr>
-          <a:lstStyle/>
-          <a:p>
-            <a:r>
-              <a:rPr lang="en-US" sz="1600">
-                <a:latin typeface="Slalom Sans Light" panose="00000400000000000000" pitchFamily="50" charset="0"/>
-              </a:rPr>
-              <a:t>Default text box</a:t>
-            </a:r>
-            <a:endParaRPr lang="en-GB" sz="1600">
-              <a:latin typeface="Slalom Sans Light" panose="00000400000000000000" pitchFamily="50" charset="0"/>
-            </a:endParaRPr>
           </a:p>
         </p:txBody>
       </p:sp>
@@ -7229,7 +7447,7 @@
         </p:nvSpPr>
         <p:spPr>
           <a:xfrm>
-            <a:off x="352791" y="597571"/>
+            <a:off x="196300" y="385209"/>
             <a:ext cx="10911234" cy="2162331"/>
           </a:xfrm>
           <a:prstGeom prst="rect">
@@ -7494,7 +7712,7 @@
         </p:nvSpPr>
         <p:spPr>
           <a:xfrm>
-            <a:off x="1357073" y="3043403"/>
+            <a:off x="1890286" y="3083357"/>
             <a:ext cx="298810" cy="298810"/>
           </a:xfrm>
           <a:custGeom>
@@ -7979,7 +8197,7 @@
         </p:nvSpPr>
         <p:spPr>
           <a:xfrm>
-            <a:off x="5359653" y="3053992"/>
+            <a:off x="5505785" y="3083357"/>
             <a:ext cx="292264" cy="237585"/>
           </a:xfrm>
           <a:custGeom>
@@ -8317,7 +8535,7 @@
         </p:nvSpPr>
         <p:spPr>
           <a:xfrm>
-            <a:off x="9249910" y="3172785"/>
+            <a:off x="9683192" y="3273244"/>
             <a:ext cx="74702" cy="100887"/>
           </a:xfrm>
           <a:custGeom>
@@ -8415,7 +8633,7 @@
         </p:nvSpPr>
         <p:spPr>
           <a:xfrm>
-            <a:off x="9355687" y="3111945"/>
+            <a:off x="9788969" y="3212404"/>
             <a:ext cx="74702" cy="161727"/>
           </a:xfrm>
           <a:custGeom>
@@ -8507,7 +8725,7 @@
         </p:nvSpPr>
         <p:spPr>
           <a:xfrm>
-            <a:off x="9461464" y="3028772"/>
+            <a:off x="9894746" y="3129231"/>
             <a:ext cx="74702" cy="244901"/>
           </a:xfrm>
           <a:custGeom>
@@ -8599,7 +8817,7 @@
         </p:nvSpPr>
         <p:spPr>
           <a:xfrm>
-            <a:off x="529454" y="3511055"/>
+            <a:off x="1062667" y="3551009"/>
             <a:ext cx="2661370" cy="433196"/>
           </a:xfrm>
           <a:prstGeom prst="rect">
@@ -8633,6 +8851,159 @@
           </a:p>
         </p:txBody>
       </p:sp>
+      <p:sp>
+        <p:nvSpPr>
+          <p:cNvPr id="4" name="TextBox 3">
+            <a:extLst>
+              <a:ext uri="{FF2B5EF4-FFF2-40B4-BE49-F238E27FC236}">
+                <a16:creationId xmlns:a16="http://schemas.microsoft.com/office/drawing/2014/main" id="{838F6CEB-25F2-D244-8D3A-DDF5A7D507E4}"/>
+              </a:ext>
+            </a:extLst>
+          </p:cNvPr>
+          <p:cNvSpPr txBox="1"/>
+          <p:nvPr/>
+        </p:nvSpPr>
+        <p:spPr>
+          <a:xfrm>
+            <a:off x="1233124" y="4588750"/>
+            <a:ext cx="2490913" cy="1711633"/>
+          </a:xfrm>
+          <a:prstGeom prst="rect">
+            <a:avLst/>
+          </a:prstGeom>
+          <a:noFill/>
+        </p:spPr>
+        <p:txBody>
+          <a:bodyPr wrap="square" lIns="0" rtlCol="0">
+            <a:noAutofit/>
+          </a:bodyPr>
+          <a:lstStyle/>
+          <a:p>
+            <a:r>
+              <a:rPr lang="en-US" b="1" dirty="0">
+                <a:latin typeface="+mj-lt"/>
+              </a:rPr>
+              <a:t>Faster and More Frequent Production Deployment </a:t>
+            </a:r>
+          </a:p>
+        </p:txBody>
+      </p:sp>
+      <p:sp>
+        <p:nvSpPr>
+          <p:cNvPr id="6" name="TextBox 5">
+            <a:extLst>
+              <a:ext uri="{FF2B5EF4-FFF2-40B4-BE49-F238E27FC236}">
+                <a16:creationId xmlns:a16="http://schemas.microsoft.com/office/drawing/2014/main" id="{3A3FED71-BF78-FD4E-99B3-2CA661818C92}"/>
+              </a:ext>
+            </a:extLst>
+          </p:cNvPr>
+          <p:cNvSpPr txBox="1"/>
+          <p:nvPr/>
+        </p:nvSpPr>
+        <p:spPr>
+          <a:xfrm>
+            <a:off x="5167614" y="4554793"/>
+            <a:ext cx="1738488" cy="855816"/>
+          </a:xfrm>
+          <a:prstGeom prst="rect">
+            <a:avLst/>
+          </a:prstGeom>
+          <a:noFill/>
+        </p:spPr>
+        <p:txBody>
+          <a:bodyPr wrap="square" lIns="0" rtlCol="0">
+            <a:noAutofit/>
+          </a:bodyPr>
+          <a:lstStyle/>
+          <a:p>
+            <a:r>
+              <a:rPr lang="en-US" b="1" dirty="0">
+                <a:latin typeface="+mj-lt"/>
+              </a:rPr>
+              <a:t>Automated smoke tests</a:t>
+            </a:r>
+          </a:p>
+        </p:txBody>
+      </p:sp>
+      <p:sp>
+        <p:nvSpPr>
+          <p:cNvPr id="7" name="Rectangle 6">
+            <a:extLst>
+              <a:ext uri="{FF2B5EF4-FFF2-40B4-BE49-F238E27FC236}">
+                <a16:creationId xmlns:a16="http://schemas.microsoft.com/office/drawing/2014/main" id="{F5088397-36DA-FF4C-B136-40D24ABB1BE7}"/>
+              </a:ext>
+            </a:extLst>
+          </p:cNvPr>
+          <p:cNvSpPr/>
+          <p:nvPr/>
+        </p:nvSpPr>
+        <p:spPr>
+          <a:xfrm>
+            <a:off x="8882893" y="4510264"/>
+            <a:ext cx="2173109" cy="646331"/>
+          </a:xfrm>
+          <a:prstGeom prst="rect">
+            <a:avLst/>
+          </a:prstGeom>
+        </p:spPr>
+        <p:txBody>
+          <a:bodyPr wrap="square">
+            <a:spAutoFit/>
+          </a:bodyPr>
+          <a:lstStyle/>
+          <a:p>
+            <a:r>
+              <a:rPr lang="en-US" b="1" dirty="0">
+                <a:latin typeface="+mj-lt"/>
+              </a:rPr>
+              <a:t>Detect Security Vulnerabilities</a:t>
+            </a:r>
+            <a:r>
+              <a:rPr lang="en-US" b="1" dirty="0">
+                <a:latin typeface="Slalom Sans Light Italic" panose="00000400000000000000" pitchFamily="50" charset="0"/>
+              </a:rPr>
+              <a:t> </a:t>
+            </a:r>
+          </a:p>
+        </p:txBody>
+      </p:sp>
+      <p:sp>
+        <p:nvSpPr>
+          <p:cNvPr id="8" name="TextBox 7">
+            <a:extLst>
+              <a:ext uri="{FF2B5EF4-FFF2-40B4-BE49-F238E27FC236}">
+                <a16:creationId xmlns:a16="http://schemas.microsoft.com/office/drawing/2014/main" id="{C1C7D6CE-1E3D-914C-AC10-BC23AC164A6F}"/>
+              </a:ext>
+            </a:extLst>
+          </p:cNvPr>
+          <p:cNvSpPr txBox="1"/>
+          <p:nvPr/>
+        </p:nvSpPr>
+        <p:spPr>
+          <a:xfrm>
+            <a:off x="10035822" y="4786489"/>
+            <a:ext cx="0" cy="0"/>
+          </a:xfrm>
+          <a:prstGeom prst="rect">
+            <a:avLst/>
+          </a:prstGeom>
+          <a:noFill/>
+        </p:spPr>
+        <p:txBody>
+          <a:bodyPr wrap="none" lIns="0" rtlCol="0">
+            <a:noAutofit/>
+          </a:bodyPr>
+          <a:lstStyle/>
+          <a:p>
+            <a:r>
+              <a:rPr lang="en-US" sz="1600" dirty="0">
+                <a:latin typeface="Slalom Sans Light" panose="00000400000000000000" pitchFamily="50" charset="0"/>
+              </a:rPr>
+              <a:t> </a:t>
+            </a:r>
+          </a:p>
+        </p:txBody>
+      </p:sp>
     </p:spTree>
     <p:extLst>
       <p:ext uri="{BB962C8B-B14F-4D97-AF65-F5344CB8AC3E}">
@@ -8646,7 +9017,7 @@
 </p:sld>
 </file>
 
-<file path=ppt/slides/slide5.xml><?xml version="1.0" encoding="utf-8"?>
+<file path=ppt/slides/slide6.xml><?xml version="1.0" encoding="utf-8"?>
 <p:sld xmlns:a="http://schemas.openxmlformats.org/drawingml/2006/main" xmlns:r="http://schemas.openxmlformats.org/officeDocument/2006/relationships" xmlns:p="http://schemas.openxmlformats.org/presentationml/2006/main">
   <p:cSld>
     <p:spTree>
@@ -8971,7 +9342,7 @@
                 <a:tabLst/>
                 <a:defRPr/>
               </a:pPr>
-              <a:t>5</a:t>
+              <a:t>6</a:t>
             </a:fld>
             <a:endParaRPr kumimoji="0" lang="en-GB" sz="800" b="0" i="0" u="none" strike="noStrike" kern="1200" cap="none" spc="0" normalizeH="0" baseline="0" noProof="0" dirty="0">
               <a:ln>
@@ -9178,7 +9549,7 @@
 </p:sld>
 </file>
 
-<file path=ppt/slides/slide6.xml><?xml version="1.0" encoding="utf-8"?>
+<file path=ppt/slides/slide7.xml><?xml version="1.0" encoding="utf-8"?>
 <p:sld xmlns:a="http://schemas.openxmlformats.org/drawingml/2006/main" xmlns:r="http://schemas.openxmlformats.org/officeDocument/2006/relationships" xmlns:p="http://schemas.openxmlformats.org/presentationml/2006/main">
   <p:cSld>
     <p:bg>
@@ -9424,7 +9795,7 @@
                 <a:tabLst/>
                 <a:defRPr/>
               </a:pPr>
-              <a:t>6</a:t>
+              <a:t>7</a:t>
             </a:fld>
             <a:endParaRPr kumimoji="0" lang="en-GB" sz="800" b="0" i="0" u="none" strike="noStrike" kern="1200" cap="none" spc="0" normalizeH="0" baseline="0" noProof="0" dirty="0">
               <a:ln>
@@ -9636,7 +10007,7 @@
 </p:sld>
 </file>
 
-<file path=ppt/slides/slide7.xml><?xml version="1.0" encoding="utf-8"?>
+<file path=ppt/slides/slide8.xml><?xml version="1.0" encoding="utf-8"?>
 <p:sld xmlns:a="http://schemas.openxmlformats.org/drawingml/2006/main" xmlns:r="http://schemas.openxmlformats.org/officeDocument/2006/relationships" xmlns:p="http://schemas.openxmlformats.org/presentationml/2006/main">
   <p:cSld>
     <p:bg>
@@ -9684,7 +10055,7 @@
           <a:p>
             <a:fld id="{D89D76C3-A5A9-4168-BE2E-6A3D1757D92E}" type="slidenum">
               <a:rPr lang="en-GB" smtClean="0"/>
-              <a:t>7</a:t>
+              <a:t>8</a:t>
             </a:fld>
             <a:endParaRPr lang="en-GB"/>
           </a:p>
@@ -9818,7 +10189,7 @@
 </p:sld>
 </file>
 
-<file path=ppt/slides/slide8.xml><?xml version="1.0" encoding="utf-8"?>
+<file path=ppt/slides/slide9.xml><?xml version="1.0" encoding="utf-8"?>
 <p:sld xmlns:a="http://schemas.openxmlformats.org/drawingml/2006/main" xmlns:r="http://schemas.openxmlformats.org/officeDocument/2006/relationships" xmlns:p="http://schemas.openxmlformats.org/presentationml/2006/main">
   <p:cSld>
     <p:spTree>
@@ -9853,7 +10224,7 @@
             <a:fld id="{D89D76C3-A5A9-4168-BE2E-6A3D1757D92E}" type="slidenum">
               <a:rPr lang="en-GB" smtClean="0"/>
               <a:pPr/>
-              <a:t>8</a:t>
+              <a:t>9</a:t>
             </a:fld>
             <a:endParaRPr lang="en-GB"/>
           </a:p>
@@ -14244,15 +14615,6 @@
 </file>
 
 <file path=customXml/item1.xml><?xml version="1.0" encoding="utf-8"?>
-<?mso-contentType ?>
-<FormTemplates xmlns="http://schemas.microsoft.com/sharepoint/v3/contenttype/forms">
-  <Display>DocumentLibraryForm</Display>
-  <Edit>DocumentLibraryForm</Edit>
-  <New>DocumentLibraryForm</New>
-</FormTemplates>
-</file>
-
-<file path=customXml/item2.xml><?xml version="1.0" encoding="utf-8"?>
 <ct:contentTypeSchema xmlns:ct="http://schemas.microsoft.com/office/2006/metadata/contentType" xmlns:ma="http://schemas.microsoft.com/office/2006/metadata/properties/metaAttributes" ct:_="" ma:_="" ma:contentTypeName="Document" ma:contentTypeID="0x0101002106D8940D7E474C81206741DFF1A187" ma:contentTypeVersion="2" ma:contentTypeDescription="Create a new document." ma:contentTypeScope="" ma:versionID="4a7cea56504639e33412c5f5b9fc44f5">
   <xsd:schema xmlns:xsd="http://www.w3.org/2001/XMLSchema" xmlns:xs="http://www.w3.org/2001/XMLSchema" xmlns:p="http://schemas.microsoft.com/office/2006/metadata/properties" xmlns:ns2="688f81b3-add1-4848-9903-9e79280bdbc2" targetNamespace="http://schemas.microsoft.com/office/2006/metadata/properties" ma:root="true" ma:fieldsID="fca95ec89f486fa20a116f523121f4f8" ns2:_="">
     <xsd:import namespace="688f81b3-add1-4848-9903-9e79280bdbc2"/>
@@ -14384,6 +14746,15 @@
 </ct:contentTypeSchema>
 </file>
 
+<file path=customXml/item2.xml><?xml version="1.0" encoding="utf-8"?>
+<?mso-contentType ?>
+<FormTemplates xmlns="http://schemas.microsoft.com/sharepoint/v3/contenttype/forms">
+  <Display>DocumentLibraryForm</Display>
+  <Edit>DocumentLibraryForm</Edit>
+  <New>DocumentLibraryForm</New>
+</FormTemplates>
+</file>
+
 <file path=customXml/item3.xml><?xml version="1.0" encoding="utf-8"?>
 <p:properties xmlns:p="http://schemas.microsoft.com/office/2006/metadata/properties" xmlns:xsi="http://www.w3.org/2001/XMLSchema-instance" xmlns:pc="http://schemas.microsoft.com/office/infopath/2007/PartnerControls">
   <documentManagement/>
@@ -14391,14 +14762,6 @@
 </file>
 
 <file path=customXml/itemProps1.xml><?xml version="1.0" encoding="utf-8"?>
-<ds:datastoreItem xmlns:ds="http://schemas.openxmlformats.org/officeDocument/2006/customXml" ds:itemID="{8129816E-A34A-478F-BB60-AA115C97BCCA}">
-  <ds:schemaRefs>
-    <ds:schemaRef ds:uri="http://schemas.microsoft.com/sharepoint/v3/contenttype/forms"/>
-  </ds:schemaRefs>
-</ds:datastoreItem>
-</file>
-
-<file path=customXml/itemProps2.xml><?xml version="1.0" encoding="utf-8"?>
 <ds:datastoreItem xmlns:ds="http://schemas.openxmlformats.org/officeDocument/2006/customXml" ds:itemID="{345B7BB3-E76E-4AF0-925F-98C0CCE548AB}">
   <ds:schemaRefs>
     <ds:schemaRef ds:uri="http://schemas.microsoft.com/office/2006/metadata/contentType"/>
@@ -14412,6 +14775,14 @@
     <ds:schemaRef ds:uri="http://purl.org/dc/elements/1.1/"/>
     <ds:schemaRef ds:uri="http://purl.org/dc/terms/"/>
     <ds:schemaRef ds:uri="http://schemas.microsoft.com/internal/obd"/>
+  </ds:schemaRefs>
+</ds:datastoreItem>
+</file>
+
+<file path=customXml/itemProps2.xml><?xml version="1.0" encoding="utf-8"?>
+<ds:datastoreItem xmlns:ds="http://schemas.openxmlformats.org/officeDocument/2006/customXml" ds:itemID="{8129816E-A34A-478F-BB60-AA115C97BCCA}">
+  <ds:schemaRefs>
+    <ds:schemaRef ds:uri="http://schemas.microsoft.com/sharepoint/v3/contenttype/forms"/>
   </ds:schemaRefs>
 </ds:datastoreItem>
 </file>
